--- a/5week/PPT/5week.pptx
+++ b/5week/PPT/5week.pptx
@@ -5,7 +5,7 @@
     <p:sldMasterId id="2147483660" r:id="rId1"/>
   </p:sldMasterIdLst>
   <p:notesMasterIdLst>
-    <p:notesMasterId r:id="rId19"/>
+    <p:notesMasterId r:id="rId27"/>
   </p:notesMasterIdLst>
   <p:sldIdLst>
     <p:sldId id="262" r:id="rId2"/>
@@ -22,9 +22,17 @@
     <p:sldId id="274" r:id="rId13"/>
     <p:sldId id="277" r:id="rId14"/>
     <p:sldId id="278" r:id="rId15"/>
-    <p:sldId id="279" r:id="rId16"/>
-    <p:sldId id="280" r:id="rId17"/>
-    <p:sldId id="265" r:id="rId18"/>
+    <p:sldId id="282" r:id="rId16"/>
+    <p:sldId id="283" r:id="rId17"/>
+    <p:sldId id="284" r:id="rId18"/>
+    <p:sldId id="285" r:id="rId19"/>
+    <p:sldId id="286" r:id="rId20"/>
+    <p:sldId id="287" r:id="rId21"/>
+    <p:sldId id="288" r:id="rId22"/>
+    <p:sldId id="289" r:id="rId23"/>
+    <p:sldId id="279" r:id="rId24"/>
+    <p:sldId id="280" r:id="rId25"/>
+    <p:sldId id="265" r:id="rId26"/>
   </p:sldIdLst>
   <p:sldSz cx="9144000" cy="6858000" type="screen4x3"/>
   <p:notesSz cx="6858000" cy="9144000"/>
@@ -891,6 +899,90 @@
           <a:bodyPr/>
           <a:lstStyle/>
           <a:p>
+            <a:endParaRPr lang="ko-KR" altLang="en-US" dirty="0"/>
+          </a:p>
+        </p:txBody>
+      </p:sp>
+      <p:sp>
+        <p:nvSpPr>
+          <p:cNvPr id="4" name="슬라이드 번호 개체 틀 3"/>
+          <p:cNvSpPr>
+            <a:spLocks noGrp="1"/>
+          </p:cNvSpPr>
+          <p:nvPr>
+            <p:ph type="sldNum" sz="quarter" idx="10"/>
+          </p:nvPr>
+        </p:nvSpPr>
+        <p:spPr/>
+        <p:txBody>
+          <a:bodyPr/>
+          <a:lstStyle/>
+          <a:p>
+            <a:fld id="{80DB27A2-3C4B-459A-A634-BE883C249080}" type="slidenum">
+              <a:rPr lang="ko-KR" altLang="en-US" smtClean="0"/>
+              <a:t>6</a:t>
+            </a:fld>
+            <a:endParaRPr lang="ko-KR" altLang="en-US"/>
+          </a:p>
+        </p:txBody>
+      </p:sp>
+    </p:spTree>
+    <p:extLst>
+      <p:ext uri="{BB962C8B-B14F-4D97-AF65-F5344CB8AC3E}">
+        <p14:creationId xmlns:p14="http://schemas.microsoft.com/office/powerpoint/2010/main" val="192723117"/>
+      </p:ext>
+    </p:extLst>
+  </p:cSld>
+  <p:clrMapOvr>
+    <a:masterClrMapping/>
+  </p:clrMapOvr>
+</p:notes>
+</file>
+
+<file path=ppt/notesSlides/notesSlide6.xml><?xml version="1.0" encoding="utf-8"?>
+<p:notes xmlns:a="http://schemas.openxmlformats.org/drawingml/2006/main" xmlns:r="http://schemas.openxmlformats.org/officeDocument/2006/relationships" xmlns:p="http://schemas.openxmlformats.org/presentationml/2006/main">
+  <p:cSld>
+    <p:spTree>
+      <p:nvGrpSpPr>
+        <p:cNvPr id="1" name=""/>
+        <p:cNvGrpSpPr/>
+        <p:nvPr/>
+      </p:nvGrpSpPr>
+      <p:grpSpPr>
+        <a:xfrm>
+          <a:off x="0" y="0"/>
+          <a:ext cx="0" cy="0"/>
+          <a:chOff x="0" y="0"/>
+          <a:chExt cx="0" cy="0"/>
+        </a:xfrm>
+      </p:grpSpPr>
+      <p:sp>
+        <p:nvSpPr>
+          <p:cNvPr id="2" name="슬라이드 이미지 개체 틀 1"/>
+          <p:cNvSpPr>
+            <a:spLocks noGrp="1" noRot="1" noChangeAspect="1"/>
+          </p:cNvSpPr>
+          <p:nvPr>
+            <p:ph type="sldImg"/>
+          </p:nvPr>
+        </p:nvSpPr>
+        <p:spPr/>
+      </p:sp>
+      <p:sp>
+        <p:nvSpPr>
+          <p:cNvPr id="3" name="슬라이드 노트 개체 틀 2"/>
+          <p:cNvSpPr>
+            <a:spLocks noGrp="1"/>
+          </p:cNvSpPr>
+          <p:nvPr>
+            <p:ph type="body" idx="1"/>
+          </p:nvPr>
+        </p:nvSpPr>
+        <p:spPr/>
+        <p:txBody>
+          <a:bodyPr/>
+          <a:lstStyle/>
+          <a:p>
             <a:r>
               <a:rPr lang="en-US" altLang="ko-KR" dirty="0" smtClean="0"/>
               <a:t>On and on </a:t>
@@ -930,6 +1022,90 @@
     <p:extLst>
       <p:ext uri="{BB962C8B-B14F-4D97-AF65-F5344CB8AC3E}">
         <p14:creationId xmlns:p14="http://schemas.microsoft.com/office/powerpoint/2010/main" val="4007434705"/>
+      </p:ext>
+    </p:extLst>
+  </p:cSld>
+  <p:clrMapOvr>
+    <a:masterClrMapping/>
+  </p:clrMapOvr>
+</p:notes>
+</file>
+
+<file path=ppt/notesSlides/notesSlide7.xml><?xml version="1.0" encoding="utf-8"?>
+<p:notes xmlns:a="http://schemas.openxmlformats.org/drawingml/2006/main" xmlns:r="http://schemas.openxmlformats.org/officeDocument/2006/relationships" xmlns:p="http://schemas.openxmlformats.org/presentationml/2006/main">
+  <p:cSld>
+    <p:spTree>
+      <p:nvGrpSpPr>
+        <p:cNvPr id="1" name=""/>
+        <p:cNvGrpSpPr/>
+        <p:nvPr/>
+      </p:nvGrpSpPr>
+      <p:grpSpPr>
+        <a:xfrm>
+          <a:off x="0" y="0"/>
+          <a:ext cx="0" cy="0"/>
+          <a:chOff x="0" y="0"/>
+          <a:chExt cx="0" cy="0"/>
+        </a:xfrm>
+      </p:grpSpPr>
+      <p:sp>
+        <p:nvSpPr>
+          <p:cNvPr id="2" name="슬라이드 이미지 개체 틀 1"/>
+          <p:cNvSpPr>
+            <a:spLocks noGrp="1" noRot="1" noChangeAspect="1"/>
+          </p:cNvSpPr>
+          <p:nvPr>
+            <p:ph type="sldImg"/>
+          </p:nvPr>
+        </p:nvSpPr>
+        <p:spPr/>
+      </p:sp>
+      <p:sp>
+        <p:nvSpPr>
+          <p:cNvPr id="3" name="슬라이드 노트 개체 틀 2"/>
+          <p:cNvSpPr>
+            <a:spLocks noGrp="1"/>
+          </p:cNvSpPr>
+          <p:nvPr>
+            <p:ph type="body" idx="1"/>
+          </p:nvPr>
+        </p:nvSpPr>
+        <p:spPr/>
+        <p:txBody>
+          <a:bodyPr/>
+          <a:lstStyle/>
+          <a:p>
+            <a:endParaRPr lang="ko-KR" altLang="en-US" dirty="0"/>
+          </a:p>
+        </p:txBody>
+      </p:sp>
+      <p:sp>
+        <p:nvSpPr>
+          <p:cNvPr id="4" name="슬라이드 번호 개체 틀 3"/>
+          <p:cNvSpPr>
+            <a:spLocks noGrp="1"/>
+          </p:cNvSpPr>
+          <p:nvPr>
+            <p:ph type="sldNum" sz="quarter" idx="10"/>
+          </p:nvPr>
+        </p:nvSpPr>
+        <p:spPr/>
+        <p:txBody>
+          <a:bodyPr/>
+          <a:lstStyle/>
+          <a:p>
+            <a:fld id="{80DB27A2-3C4B-459A-A634-BE883C249080}" type="slidenum">
+              <a:rPr lang="ko-KR" altLang="en-US" smtClean="0"/>
+              <a:t>19</a:t>
+            </a:fld>
+            <a:endParaRPr lang="ko-KR" altLang="en-US"/>
+          </a:p>
+        </p:txBody>
+      </p:sp>
+    </p:spTree>
+    <p:extLst>
+      <p:ext uri="{BB962C8B-B14F-4D97-AF65-F5344CB8AC3E}">
+        <p14:creationId xmlns:p14="http://schemas.microsoft.com/office/powerpoint/2010/main" val="1387473549"/>
       </p:ext>
     </p:extLst>
   </p:cSld>
@@ -3900,6 +4076,30 @@
           </a:p>
         </p:txBody>
       </p:sp>
+      <p:pic>
+        <p:nvPicPr>
+          <p:cNvPr id="5" name="그림 4"/>
+          <p:cNvPicPr>
+            <a:picLocks noChangeAspect="1"/>
+          </p:cNvPicPr>
+          <p:nvPr/>
+        </p:nvPicPr>
+        <p:blipFill>
+          <a:blip r:embed="rId2"/>
+          <a:stretch>
+            <a:fillRect/>
+          </a:stretch>
+        </p:blipFill>
+        <p:spPr>
+          <a:xfrm>
+            <a:off x="3063507" y="1229281"/>
+            <a:ext cx="3016986" cy="6024711"/>
+          </a:xfrm>
+          <a:prstGeom prst="rect">
+            <a:avLst/>
+          </a:prstGeom>
+        </p:spPr>
+      </p:pic>
     </p:spTree>
     <p:extLst>
       <p:ext uri="{BB962C8B-B14F-4D97-AF65-F5344CB8AC3E}">
@@ -4224,6 +4424,30 @@
           </a:p>
         </p:txBody>
       </p:sp>
+      <p:pic>
+        <p:nvPicPr>
+          <p:cNvPr id="4" name="그림 3"/>
+          <p:cNvPicPr>
+            <a:picLocks noChangeAspect="1"/>
+          </p:cNvPicPr>
+          <p:nvPr/>
+        </p:nvPicPr>
+        <p:blipFill>
+          <a:blip r:embed="rId2"/>
+          <a:stretch>
+            <a:fillRect/>
+          </a:stretch>
+        </p:blipFill>
+        <p:spPr>
+          <a:xfrm>
+            <a:off x="3443239" y="1235377"/>
+            <a:ext cx="2257522" cy="5387356"/>
+          </a:xfrm>
+          <a:prstGeom prst="rect">
+            <a:avLst/>
+          </a:prstGeom>
+        </p:spPr>
+      </p:pic>
     </p:spTree>
     <p:extLst>
       <p:ext uri="{BB962C8B-B14F-4D97-AF65-F5344CB8AC3E}">
@@ -4495,8 +4719,8 @@
         </p:nvSpPr>
         <p:spPr>
           <a:xfrm>
-            <a:off x="162804" y="531756"/>
-            <a:ext cx="7114480" cy="380104"/>
+            <a:off x="162803" y="560439"/>
+            <a:ext cx="7889815" cy="353943"/>
           </a:xfrm>
           <a:prstGeom prst="rect">
             <a:avLst/>
@@ -4515,7 +4739,7 @@
               </a:lnSpc>
             </a:pPr>
             <a:r>
-              <a:rPr lang="en-US" altLang="ko-KR" sz="2200" spc="600" dirty="0" smtClean="0">
+              <a:rPr lang="en-US" altLang="ko-KR" sz="2000" spc="600" dirty="0" smtClean="0">
                 <a:solidFill>
                   <a:srgbClr val="FF0000"/>
                 </a:solidFill>
@@ -4529,9 +4753,94 @@
                 <a:latin typeface="나눔고딕" pitchFamily="50" charset="-127"/>
                 <a:ea typeface="나눔고딕" pitchFamily="50" charset="-127"/>
               </a:rPr>
-              <a:t>Data sending</a:t>
+              <a:t>Data </a:t>
             </a:r>
-            <a:endParaRPr lang="ko-KR" altLang="en-US" sz="2200" spc="600" dirty="0">
+            <a:r>
+              <a:rPr lang="en-US" altLang="ko-KR" sz="2000" spc="600" dirty="0" err="1" smtClean="0">
+                <a:solidFill>
+                  <a:srgbClr val="FF0000"/>
+                </a:solidFill>
+                <a:effectLst>
+                  <a:outerShdw blurRad="38100" dist="38100" dir="2700000" algn="tl">
+                    <a:srgbClr val="000000">
+                      <a:alpha val="43137"/>
+                    </a:srgbClr>
+                  </a:outerShdw>
+                </a:effectLst>
+                <a:latin typeface="나눔고딕" pitchFamily="50" charset="-127"/>
+                <a:ea typeface="나눔고딕" pitchFamily="50" charset="-127"/>
+              </a:rPr>
+              <a:t>sending_App</a:t>
+            </a:r>
+            <a:r>
+              <a:rPr lang="en-US" altLang="ko-KR" sz="2000" spc="600" dirty="0" smtClean="0">
+                <a:solidFill>
+                  <a:srgbClr val="FF0000"/>
+                </a:solidFill>
+                <a:effectLst>
+                  <a:outerShdw blurRad="38100" dist="38100" dir="2700000" algn="tl">
+                    <a:srgbClr val="000000">
+                      <a:alpha val="43137"/>
+                    </a:srgbClr>
+                  </a:outerShdw>
+                </a:effectLst>
+                <a:latin typeface="나눔고딕" pitchFamily="50" charset="-127"/>
+                <a:ea typeface="나눔고딕" pitchFamily="50" charset="-127"/>
+              </a:rPr>
+              <a:t> &amp; </a:t>
+            </a:r>
+            <a:r>
+              <a:rPr lang="en-US" altLang="ko-KR" sz="2000" spc="600" dirty="0" err="1" smtClean="0">
+                <a:solidFill>
+                  <a:srgbClr val="FF0000"/>
+                </a:solidFill>
+                <a:effectLst>
+                  <a:outerShdw blurRad="38100" dist="38100" dir="2700000" algn="tl">
+                    <a:srgbClr val="000000">
+                      <a:alpha val="43137"/>
+                    </a:srgbClr>
+                  </a:outerShdw>
+                </a:effectLst>
+                <a:latin typeface="나눔고딕" pitchFamily="50" charset="-127"/>
+                <a:ea typeface="나눔고딕" pitchFamily="50" charset="-127"/>
+              </a:rPr>
+              <a:t>Realtime</a:t>
+            </a:r>
+            <a:r>
+              <a:rPr lang="en-US" altLang="ko-KR" sz="2000" spc="600" dirty="0" smtClean="0">
+                <a:solidFill>
+                  <a:srgbClr val="FF0000"/>
+                </a:solidFill>
+                <a:effectLst>
+                  <a:outerShdw blurRad="38100" dist="38100" dir="2700000" algn="tl">
+                    <a:srgbClr val="000000">
+                      <a:alpha val="43137"/>
+                    </a:srgbClr>
+                  </a:outerShdw>
+                </a:effectLst>
+                <a:latin typeface="나눔고딕" pitchFamily="50" charset="-127"/>
+                <a:ea typeface="나눔고딕" pitchFamily="50" charset="-127"/>
+              </a:rPr>
+              <a:t> </a:t>
+            </a:r>
+            <a:r>
+              <a:rPr lang="en-US" altLang="ko-KR" sz="2000" spc="600" dirty="0" err="1" smtClean="0">
+                <a:solidFill>
+                  <a:srgbClr val="FF0000"/>
+                </a:solidFill>
+                <a:effectLst>
+                  <a:outerShdw blurRad="38100" dist="38100" dir="2700000" algn="tl">
+                    <a:srgbClr val="000000">
+                      <a:alpha val="43137"/>
+                    </a:srgbClr>
+                  </a:outerShdw>
+                </a:effectLst>
+                <a:latin typeface="나눔고딕" pitchFamily="50" charset="-127"/>
+                <a:ea typeface="나눔고딕" pitchFamily="50" charset="-127"/>
+              </a:rPr>
+              <a:t>data_Web</a:t>
+            </a:r>
+            <a:endParaRPr lang="ko-KR" altLang="en-US" sz="2000" spc="600" dirty="0">
               <a:solidFill>
                 <a:srgbClr val="FF0000"/>
               </a:solidFill>
@@ -4548,6 +4857,54 @@
           </a:p>
         </p:txBody>
       </p:sp>
+      <p:pic>
+        <p:nvPicPr>
+          <p:cNvPr id="4" name="그림 3"/>
+          <p:cNvPicPr>
+            <a:picLocks noChangeAspect="1"/>
+          </p:cNvPicPr>
+          <p:nvPr/>
+        </p:nvPicPr>
+        <p:blipFill>
+          <a:blip r:embed="rId2"/>
+          <a:stretch>
+            <a:fillRect/>
+          </a:stretch>
+        </p:blipFill>
+        <p:spPr>
+          <a:xfrm>
+            <a:off x="405961" y="1213030"/>
+            <a:ext cx="3360544" cy="5435419"/>
+          </a:xfrm>
+          <a:prstGeom prst="rect">
+            <a:avLst/>
+          </a:prstGeom>
+        </p:spPr>
+      </p:pic>
+      <p:pic>
+        <p:nvPicPr>
+          <p:cNvPr id="8" name="그림 7"/>
+          <p:cNvPicPr>
+            <a:picLocks noChangeAspect="1"/>
+          </p:cNvPicPr>
+          <p:nvPr/>
+        </p:nvPicPr>
+        <p:blipFill>
+          <a:blip r:embed="rId3"/>
+          <a:stretch>
+            <a:fillRect/>
+          </a:stretch>
+        </p:blipFill>
+        <p:spPr>
+          <a:xfrm>
+            <a:off x="4686300" y="1644204"/>
+            <a:ext cx="4095127" cy="4429659"/>
+          </a:xfrm>
+          <a:prstGeom prst="rect">
+            <a:avLst/>
+          </a:prstGeom>
+        </p:spPr>
+      </p:pic>
     </p:spTree>
     <p:extLst>
       <p:ext uri="{BB962C8B-B14F-4D97-AF65-F5344CB8AC3E}">
@@ -4602,6 +4959,7 @@
           <a:p>
             <a:fld id="{B91F475D-C4CC-4CE8-81AD-732BFDCB340A}" type="slidenum">
               <a:rPr lang="ko-KR" altLang="en-US" smtClean="0"/>
+              <a:pPr/>
               <a:t>15</a:t>
             </a:fld>
             <a:endParaRPr lang="ko-KR" altLang="en-US"/>
@@ -4650,7 +5008,7 @@
                 <a:latin typeface="나눔고딕" pitchFamily="50" charset="-127"/>
                 <a:ea typeface="나눔고딕" pitchFamily="50" charset="-127"/>
               </a:rPr>
-              <a:t>S</a:t>
+              <a:t>P</a:t>
             </a:r>
             <a:r>
               <a:rPr lang="en-US" altLang="ko-KR" sz="4800" spc="600" dirty="0" smtClean="0">
@@ -4675,8 +5033,30 @@
                 <a:latin typeface="나눔고딕" pitchFamily="50" charset="-127"/>
                 <a:ea typeface="나눔고딕" pitchFamily="50" charset="-127"/>
               </a:rPr>
-              <a:t>ign </a:t>
+              <a:t>eriod of</a:t>
             </a:r>
+            <a:endParaRPr lang="en-US" altLang="ko-KR" sz="4800" spc="600" dirty="0" smtClean="0">
+              <a:gradFill>
+                <a:gsLst>
+                  <a:gs pos="0">
+                    <a:srgbClr val="7E858E"/>
+                  </a:gs>
+                  <a:gs pos="50000">
+                    <a:srgbClr val="7E858E"/>
+                  </a:gs>
+                </a:gsLst>
+                <a:lin ang="5400000" scaled="0"/>
+              </a:gradFill>
+              <a:effectLst>
+                <a:outerShdw blurRad="38100" dist="38100" dir="2700000" algn="tl">
+                  <a:srgbClr val="000000">
+                    <a:alpha val="43137"/>
+                  </a:srgbClr>
+                </a:outerShdw>
+              </a:effectLst>
+              <a:latin typeface="나눔고딕" pitchFamily="50" charset="-127"/>
+              <a:ea typeface="나눔고딕" pitchFamily="50" charset="-127"/>
+            </a:endParaRPr>
           </a:p>
           <a:p>
             <a:pPr>
@@ -4699,7 +5079,7 @@
                 <a:latin typeface="나눔고딕" pitchFamily="50" charset="-127"/>
                 <a:ea typeface="나눔고딕" pitchFamily="50" charset="-127"/>
               </a:rPr>
-              <a:t>O</a:t>
+              <a:t>D</a:t>
             </a:r>
             <a:r>
               <a:rPr lang="en-US" altLang="ko-KR" sz="4800" spc="600" dirty="0" smtClean="0">
@@ -4724,7 +5104,7 @@
                 <a:latin typeface="나눔고딕" pitchFamily="50" charset="-127"/>
                 <a:ea typeface="나눔고딕" pitchFamily="50" charset="-127"/>
               </a:rPr>
-              <a:t>ut</a:t>
+              <a:t>ata</a:t>
             </a:r>
             <a:endParaRPr lang="ko-KR" altLang="en-US" sz="4800" spc="600" dirty="0">
               <a:gradFill>
@@ -4754,7 +5134,7 @@
     </p:spTree>
     <p:extLst>
       <p:ext uri="{BB962C8B-B14F-4D97-AF65-F5344CB8AC3E}">
-        <p14:creationId xmlns:p14="http://schemas.microsoft.com/office/powerpoint/2010/main" val="2701777894"/>
+        <p14:creationId xmlns:p14="http://schemas.microsoft.com/office/powerpoint/2010/main" val="3180214498"/>
       </p:ext>
     </p:extLst>
   </p:cSld>
@@ -4853,7 +5233,7 @@
                 <a:latin typeface="나눔고딕" pitchFamily="50" charset="-127"/>
                 <a:ea typeface="나눔고딕" pitchFamily="50" charset="-127"/>
               </a:rPr>
-              <a:t>Data sending</a:t>
+              <a:t>Period of Data</a:t>
             </a:r>
             <a:endParaRPr lang="ko-KR" altLang="en-US" sz="2200" spc="600" dirty="0">
               <a:solidFill>
@@ -4872,10 +5252,34 @@
           </a:p>
         </p:txBody>
       </p:sp>
+      <p:pic>
+        <p:nvPicPr>
+          <p:cNvPr id="5" name="그림 4"/>
+          <p:cNvPicPr>
+            <a:picLocks noChangeAspect="1"/>
+          </p:cNvPicPr>
+          <p:nvPr/>
+        </p:nvPicPr>
+        <p:blipFill>
+          <a:blip r:embed="rId2"/>
+          <a:stretch>
+            <a:fillRect/>
+          </a:stretch>
+        </p:blipFill>
+        <p:spPr>
+          <a:xfrm>
+            <a:off x="1381173" y="1248377"/>
+            <a:ext cx="6381654" cy="5351846"/>
+          </a:xfrm>
+          <a:prstGeom prst="rect">
+            <a:avLst/>
+          </a:prstGeom>
+        </p:spPr>
+      </p:pic>
     </p:spTree>
     <p:extLst>
       <p:ext uri="{BB962C8B-B14F-4D97-AF65-F5344CB8AC3E}">
-        <p14:creationId xmlns:p14="http://schemas.microsoft.com/office/powerpoint/2010/main" val="2829603269"/>
+        <p14:creationId xmlns:p14="http://schemas.microsoft.com/office/powerpoint/2010/main" val="1427146341"/>
       </p:ext>
     </p:extLst>
   </p:cSld>
@@ -4926,16 +5330,553 @@
           <a:p>
             <a:fld id="{B91F475D-C4CC-4CE8-81AD-732BFDCB340A}" type="slidenum">
               <a:rPr lang="ko-KR" altLang="en-US" smtClean="0"/>
+              <a:pPr/>
               <a:t>17</a:t>
             </a:fld>
             <a:endParaRPr lang="ko-KR" altLang="en-US"/>
           </a:p>
         </p:txBody>
       </p:sp>
+      <p:sp>
+        <p:nvSpPr>
+          <p:cNvPr id="4" name="TextBox 3"/>
+          <p:cNvSpPr txBox="1"/>
+          <p:nvPr/>
+        </p:nvSpPr>
+        <p:spPr>
+          <a:xfrm>
+            <a:off x="251520" y="3566875"/>
+            <a:ext cx="7114480" cy="1348061"/>
+          </a:xfrm>
+          <a:prstGeom prst="rect">
+            <a:avLst/>
+          </a:prstGeom>
+          <a:noFill/>
+        </p:spPr>
+        <p:txBody>
+          <a:bodyPr wrap="square" rtlCol="0">
+            <a:spAutoFit/>
+          </a:bodyPr>
+          <a:lstStyle/>
+          <a:p>
+            <a:pPr>
+              <a:lnSpc>
+                <a:spcPct val="85000"/>
+              </a:lnSpc>
+            </a:pPr>
+            <a:r>
+              <a:rPr lang="en-US" altLang="ko-KR" sz="4800" spc="600" dirty="0" smtClean="0">
+                <a:solidFill>
+                  <a:srgbClr val="FF0000"/>
+                </a:solidFill>
+                <a:effectLst>
+                  <a:outerShdw blurRad="38100" dist="38100" dir="2700000" algn="tl">
+                    <a:srgbClr val="000000">
+                      <a:alpha val="43137"/>
+                    </a:srgbClr>
+                  </a:outerShdw>
+                </a:effectLst>
+                <a:latin typeface="나눔고딕" pitchFamily="50" charset="-127"/>
+                <a:ea typeface="나눔고딕" pitchFamily="50" charset="-127"/>
+              </a:rPr>
+              <a:t>M</a:t>
+            </a:r>
+            <a:r>
+              <a:rPr lang="en-US" altLang="ko-KR" sz="4800" spc="600" dirty="0" smtClean="0">
+                <a:gradFill>
+                  <a:gsLst>
+                    <a:gs pos="0">
+                      <a:srgbClr val="7E858E"/>
+                    </a:gs>
+                    <a:gs pos="50000">
+                      <a:srgbClr val="7E858E"/>
+                    </a:gs>
+                  </a:gsLst>
+                  <a:lin ang="5400000" scaled="0"/>
+                </a:gradFill>
+                <a:effectLst>
+                  <a:outerShdw blurRad="38100" dist="38100" dir="2700000" algn="tl">
+                    <a:srgbClr val="000000">
+                      <a:alpha val="43137"/>
+                    </a:srgbClr>
+                  </a:outerShdw>
+                </a:effectLst>
+                <a:latin typeface="나눔고딕" pitchFamily="50" charset="-127"/>
+                <a:ea typeface="나눔고딕" pitchFamily="50" charset="-127"/>
+              </a:rPr>
+              <a:t>ap</a:t>
+            </a:r>
+            <a:endParaRPr lang="en-US" altLang="ko-KR" sz="4800" spc="600" dirty="0">
+              <a:gradFill>
+                <a:gsLst>
+                  <a:gs pos="0">
+                    <a:srgbClr val="7E858E"/>
+                  </a:gs>
+                  <a:gs pos="50000">
+                    <a:srgbClr val="7E858E"/>
+                  </a:gs>
+                </a:gsLst>
+                <a:lin ang="5400000" scaled="0"/>
+              </a:gradFill>
+              <a:effectLst>
+                <a:outerShdw blurRad="38100" dist="38100" dir="2700000" algn="tl">
+                  <a:srgbClr val="000000">
+                    <a:alpha val="43137"/>
+                  </a:srgbClr>
+                </a:outerShdw>
+              </a:effectLst>
+              <a:latin typeface="나눔고딕" pitchFamily="50" charset="-127"/>
+              <a:ea typeface="나눔고딕" pitchFamily="50" charset="-127"/>
+            </a:endParaRPr>
+          </a:p>
+          <a:p>
+            <a:pPr>
+              <a:lnSpc>
+                <a:spcPct val="85000"/>
+              </a:lnSpc>
+            </a:pPr>
+            <a:r>
+              <a:rPr lang="en-US" altLang="ko-KR" sz="4800" spc="600" dirty="0" smtClean="0">
+                <a:solidFill>
+                  <a:srgbClr val="FF0000"/>
+                </a:solidFill>
+                <a:effectLst>
+                  <a:outerShdw blurRad="38100" dist="38100" dir="2700000" algn="tl">
+                    <a:srgbClr val="000000">
+                      <a:alpha val="43137"/>
+                    </a:srgbClr>
+                  </a:outerShdw>
+                </a:effectLst>
+                <a:latin typeface="나눔고딕" pitchFamily="50" charset="-127"/>
+                <a:ea typeface="나눔고딕" pitchFamily="50" charset="-127"/>
+              </a:rPr>
+              <a:t>S</a:t>
+            </a:r>
+            <a:r>
+              <a:rPr lang="en-US" altLang="ko-KR" sz="4800" spc="600" dirty="0" smtClean="0">
+                <a:gradFill>
+                  <a:gsLst>
+                    <a:gs pos="0">
+                      <a:srgbClr val="7E858E"/>
+                    </a:gs>
+                    <a:gs pos="50000">
+                      <a:srgbClr val="7E858E"/>
+                    </a:gs>
+                  </a:gsLst>
+                  <a:lin ang="5400000" scaled="0"/>
+                </a:gradFill>
+                <a:effectLst>
+                  <a:outerShdw blurRad="38100" dist="38100" dir="2700000" algn="tl">
+                    <a:srgbClr val="000000">
+                      <a:alpha val="43137"/>
+                    </a:srgbClr>
+                  </a:outerShdw>
+                </a:effectLst>
+                <a:latin typeface="나눔고딕" pitchFamily="50" charset="-127"/>
+                <a:ea typeface="나눔고딕" pitchFamily="50" charset="-127"/>
+              </a:rPr>
+              <a:t>earch</a:t>
+            </a:r>
+            <a:endParaRPr lang="ko-KR" altLang="en-US" sz="4800" spc="600" dirty="0">
+              <a:gradFill>
+                <a:gsLst>
+                  <a:gs pos="0">
+                    <a:srgbClr val="7E858E"/>
+                  </a:gs>
+                  <a:gs pos="50000">
+                    <a:srgbClr val="7E858E"/>
+                  </a:gs>
+                </a:gsLst>
+                <a:lin ang="5400000" scaled="0"/>
+              </a:gradFill>
+              <a:effectLst>
+                <a:outerShdw blurRad="38100" dist="38100" dir="2700000" algn="tl">
+                  <a:srgbClr val="000000">
+                    <a:alpha val="43137"/>
+                  </a:srgbClr>
+                </a:outerShdw>
+              </a:effectLst>
+              <a:latin typeface="나눔고딕" pitchFamily="50" charset="-127"/>
+              <a:ea typeface="나눔고딕" pitchFamily="50" charset="-127"/>
+            </a:endParaRPr>
+          </a:p>
+        </p:txBody>
+      </p:sp>
     </p:spTree>
     <p:extLst>
       <p:ext uri="{BB962C8B-B14F-4D97-AF65-F5344CB8AC3E}">
-        <p14:creationId xmlns:p14="http://schemas.microsoft.com/office/powerpoint/2010/main" val="1691518379"/>
+        <p14:creationId xmlns:p14="http://schemas.microsoft.com/office/powerpoint/2010/main" val="763693127"/>
+      </p:ext>
+    </p:extLst>
+  </p:cSld>
+  <p:clrMapOvr>
+    <a:masterClrMapping/>
+  </p:clrMapOvr>
+  <p:timing>
+    <p:tnLst>
+      <p:par>
+        <p:cTn id="1" dur="indefinite" restart="never" nodeType="tmRoot"/>
+      </p:par>
+    </p:tnLst>
+  </p:timing>
+</p:sld>
+</file>
+
+<file path=ppt/slides/slide18.xml><?xml version="1.0" encoding="utf-8"?>
+<p:sld xmlns:a="http://schemas.openxmlformats.org/drawingml/2006/main" xmlns:r="http://schemas.openxmlformats.org/officeDocument/2006/relationships" xmlns:p="http://schemas.openxmlformats.org/presentationml/2006/main">
+  <p:cSld>
+    <p:spTree>
+      <p:nvGrpSpPr>
+        <p:cNvPr id="1" name=""/>
+        <p:cNvGrpSpPr/>
+        <p:nvPr/>
+      </p:nvGrpSpPr>
+      <p:grpSpPr>
+        <a:xfrm>
+          <a:off x="0" y="0"/>
+          <a:ext cx="0" cy="0"/>
+          <a:chOff x="0" y="0"/>
+          <a:chExt cx="0" cy="0"/>
+        </a:xfrm>
+      </p:grpSpPr>
+      <p:sp>
+        <p:nvSpPr>
+          <p:cNvPr id="2" name="슬라이드 번호 개체 틀 1"/>
+          <p:cNvSpPr>
+            <a:spLocks noGrp="1"/>
+          </p:cNvSpPr>
+          <p:nvPr>
+            <p:ph type="sldNum" sz="quarter" idx="12"/>
+          </p:nvPr>
+        </p:nvSpPr>
+        <p:spPr/>
+        <p:txBody>
+          <a:bodyPr/>
+          <a:lstStyle/>
+          <a:p>
+            <a:fld id="{B91F475D-C4CC-4CE8-81AD-732BFDCB340A}" type="slidenum">
+              <a:rPr lang="ko-KR" altLang="en-US" smtClean="0"/>
+              <a:t>18</a:t>
+            </a:fld>
+            <a:endParaRPr lang="ko-KR" altLang="en-US"/>
+          </a:p>
+        </p:txBody>
+      </p:sp>
+      <p:sp>
+        <p:nvSpPr>
+          <p:cNvPr id="3" name="TextBox 2"/>
+          <p:cNvSpPr txBox="1"/>
+          <p:nvPr/>
+        </p:nvSpPr>
+        <p:spPr>
+          <a:xfrm>
+            <a:off x="162804" y="531756"/>
+            <a:ext cx="7114480" cy="380104"/>
+          </a:xfrm>
+          <a:prstGeom prst="rect">
+            <a:avLst/>
+          </a:prstGeom>
+          <a:noFill/>
+        </p:spPr>
+        <p:txBody>
+          <a:bodyPr wrap="square" rtlCol="0">
+            <a:spAutoFit/>
+          </a:bodyPr>
+          <a:lstStyle/>
+          <a:p>
+            <a:pPr>
+              <a:lnSpc>
+                <a:spcPct val="85000"/>
+              </a:lnSpc>
+            </a:pPr>
+            <a:r>
+              <a:rPr lang="en-US" altLang="ko-KR" sz="2200" spc="600" dirty="0" smtClean="0">
+                <a:solidFill>
+                  <a:srgbClr val="FF0000"/>
+                </a:solidFill>
+                <a:effectLst>
+                  <a:outerShdw blurRad="38100" dist="38100" dir="2700000" algn="tl">
+                    <a:srgbClr val="000000">
+                      <a:alpha val="43137"/>
+                    </a:srgbClr>
+                  </a:outerShdw>
+                </a:effectLst>
+                <a:latin typeface="나눔고딕" pitchFamily="50" charset="-127"/>
+                <a:ea typeface="나눔고딕" pitchFamily="50" charset="-127"/>
+              </a:rPr>
+              <a:t>Map search</a:t>
+            </a:r>
+            <a:endParaRPr lang="ko-KR" altLang="en-US" sz="2200" spc="600" dirty="0">
+              <a:solidFill>
+                <a:srgbClr val="FF0000"/>
+              </a:solidFill>
+              <a:effectLst>
+                <a:outerShdw blurRad="38100" dist="38100" dir="2700000" algn="tl">
+                  <a:srgbClr val="000000">
+                    <a:alpha val="43137"/>
+                  </a:srgbClr>
+                </a:outerShdw>
+              </a:effectLst>
+              <a:latin typeface="나눔고딕" pitchFamily="50" charset="-127"/>
+              <a:ea typeface="나눔고딕" pitchFamily="50" charset="-127"/>
+            </a:endParaRPr>
+          </a:p>
+        </p:txBody>
+      </p:sp>
+      <p:pic>
+        <p:nvPicPr>
+          <p:cNvPr id="4" name="그림 3"/>
+          <p:cNvPicPr>
+            <a:picLocks noChangeAspect="1"/>
+          </p:cNvPicPr>
+          <p:nvPr/>
+        </p:nvPicPr>
+        <p:blipFill>
+          <a:blip r:embed="rId2"/>
+          <a:stretch>
+            <a:fillRect/>
+          </a:stretch>
+        </p:blipFill>
+        <p:spPr>
+          <a:xfrm>
+            <a:off x="1235754" y="1414132"/>
+            <a:ext cx="6672492" cy="5170501"/>
+          </a:xfrm>
+          <a:prstGeom prst="rect">
+            <a:avLst/>
+          </a:prstGeom>
+        </p:spPr>
+      </p:pic>
+    </p:spTree>
+    <p:extLst>
+      <p:ext uri="{BB962C8B-B14F-4D97-AF65-F5344CB8AC3E}">
+        <p14:creationId xmlns:p14="http://schemas.microsoft.com/office/powerpoint/2010/main" val="4016325371"/>
+      </p:ext>
+    </p:extLst>
+  </p:cSld>
+  <p:clrMapOvr>
+    <a:masterClrMapping/>
+  </p:clrMapOvr>
+  <p:timing>
+    <p:tnLst>
+      <p:par>
+        <p:cTn id="1" dur="indefinite" restart="never" nodeType="tmRoot"/>
+      </p:par>
+    </p:tnLst>
+  </p:timing>
+</p:sld>
+</file>
+
+<file path=ppt/slides/slide19.xml><?xml version="1.0" encoding="utf-8"?>
+<p:sld xmlns:a="http://schemas.openxmlformats.org/drawingml/2006/main" xmlns:r="http://schemas.openxmlformats.org/officeDocument/2006/relationships" xmlns:p="http://schemas.openxmlformats.org/presentationml/2006/main">
+  <p:cSld>
+    <p:spTree>
+      <p:nvGrpSpPr>
+        <p:cNvPr id="1" name=""/>
+        <p:cNvGrpSpPr/>
+        <p:nvPr/>
+      </p:nvGrpSpPr>
+      <p:grpSpPr>
+        <a:xfrm>
+          <a:off x="0" y="0"/>
+          <a:ext cx="0" cy="0"/>
+          <a:chOff x="0" y="0"/>
+          <a:chExt cx="0" cy="0"/>
+        </a:xfrm>
+      </p:grpSpPr>
+      <p:sp>
+        <p:nvSpPr>
+          <p:cNvPr id="2" name="슬라이드 번호 개체 틀 1"/>
+          <p:cNvSpPr>
+            <a:spLocks noGrp="1"/>
+          </p:cNvSpPr>
+          <p:nvPr>
+            <p:ph type="sldNum" sz="quarter" idx="12"/>
+          </p:nvPr>
+        </p:nvSpPr>
+        <p:spPr/>
+        <p:txBody>
+          <a:bodyPr/>
+          <a:lstStyle/>
+          <a:p>
+            <a:fld id="{B91F475D-C4CC-4CE8-81AD-732BFDCB340A}" type="slidenum">
+              <a:rPr lang="ko-KR" altLang="en-US" smtClean="0"/>
+              <a:pPr/>
+              <a:t>19</a:t>
+            </a:fld>
+            <a:endParaRPr lang="ko-KR" altLang="en-US"/>
+          </a:p>
+        </p:txBody>
+      </p:sp>
+      <p:sp>
+        <p:nvSpPr>
+          <p:cNvPr id="4" name="TextBox 3"/>
+          <p:cNvSpPr txBox="1"/>
+          <p:nvPr/>
+        </p:nvSpPr>
+        <p:spPr>
+          <a:xfrm>
+            <a:off x="251520" y="3566875"/>
+            <a:ext cx="7114480" cy="1348061"/>
+          </a:xfrm>
+          <a:prstGeom prst="rect">
+            <a:avLst/>
+          </a:prstGeom>
+          <a:noFill/>
+        </p:spPr>
+        <p:txBody>
+          <a:bodyPr wrap="square" rtlCol="0">
+            <a:spAutoFit/>
+          </a:bodyPr>
+          <a:lstStyle/>
+          <a:p>
+            <a:pPr>
+              <a:lnSpc>
+                <a:spcPct val="85000"/>
+              </a:lnSpc>
+            </a:pPr>
+            <a:r>
+              <a:rPr lang="en-US" altLang="ko-KR" sz="4800" spc="600" dirty="0" smtClean="0">
+                <a:solidFill>
+                  <a:srgbClr val="FF0000"/>
+                </a:solidFill>
+                <a:effectLst>
+                  <a:outerShdw blurRad="38100" dist="38100" dir="2700000" algn="tl">
+                    <a:srgbClr val="000000">
+                      <a:alpha val="43137"/>
+                    </a:srgbClr>
+                  </a:outerShdw>
+                </a:effectLst>
+                <a:latin typeface="나눔고딕" pitchFamily="50" charset="-127"/>
+                <a:ea typeface="나눔고딕" pitchFamily="50" charset="-127"/>
+              </a:rPr>
+              <a:t>M</a:t>
+            </a:r>
+            <a:r>
+              <a:rPr lang="en-US" altLang="ko-KR" sz="4800" spc="600" dirty="0" smtClean="0">
+                <a:gradFill>
+                  <a:gsLst>
+                    <a:gs pos="0">
+                      <a:srgbClr val="7E858E"/>
+                    </a:gs>
+                    <a:gs pos="50000">
+                      <a:srgbClr val="7E858E"/>
+                    </a:gs>
+                  </a:gsLst>
+                  <a:lin ang="5400000" scaled="0"/>
+                </a:gradFill>
+                <a:effectLst>
+                  <a:outerShdw blurRad="38100" dist="38100" dir="2700000" algn="tl">
+                    <a:srgbClr val="000000">
+                      <a:alpha val="43137"/>
+                    </a:srgbClr>
+                  </a:outerShdw>
+                </a:effectLst>
+                <a:latin typeface="나눔고딕" pitchFamily="50" charset="-127"/>
+                <a:ea typeface="나눔고딕" pitchFamily="50" charset="-127"/>
+              </a:rPr>
+              <a:t>ap’s</a:t>
+            </a:r>
+            <a:endParaRPr lang="en-US" altLang="ko-KR" sz="4800" spc="600" dirty="0">
+              <a:gradFill>
+                <a:gsLst>
+                  <a:gs pos="0">
+                    <a:srgbClr val="7E858E"/>
+                  </a:gs>
+                  <a:gs pos="50000">
+                    <a:srgbClr val="7E858E"/>
+                  </a:gs>
+                </a:gsLst>
+                <a:lin ang="5400000" scaled="0"/>
+              </a:gradFill>
+              <a:effectLst>
+                <a:outerShdw blurRad="38100" dist="38100" dir="2700000" algn="tl">
+                  <a:srgbClr val="000000">
+                    <a:alpha val="43137"/>
+                  </a:srgbClr>
+                </a:outerShdw>
+              </a:effectLst>
+              <a:latin typeface="나눔고딕" pitchFamily="50" charset="-127"/>
+              <a:ea typeface="나눔고딕" pitchFamily="50" charset="-127"/>
+            </a:endParaRPr>
+          </a:p>
+          <a:p>
+            <a:pPr>
+              <a:lnSpc>
+                <a:spcPct val="85000"/>
+              </a:lnSpc>
+            </a:pPr>
+            <a:r>
+              <a:rPr lang="en-US" altLang="ko-KR" sz="4800" spc="600" dirty="0" smtClean="0">
+                <a:solidFill>
+                  <a:srgbClr val="FF0000"/>
+                </a:solidFill>
+                <a:effectLst>
+                  <a:outerShdw blurRad="38100" dist="38100" dir="2700000" algn="tl">
+                    <a:srgbClr val="000000">
+                      <a:alpha val="43137"/>
+                    </a:srgbClr>
+                  </a:outerShdw>
+                </a:effectLst>
+                <a:latin typeface="나눔고딕" pitchFamily="50" charset="-127"/>
+                <a:ea typeface="나눔고딕" pitchFamily="50" charset="-127"/>
+              </a:rPr>
+              <a:t>C</a:t>
+            </a:r>
+            <a:r>
+              <a:rPr lang="en-US" altLang="ko-KR" sz="4800" spc="600" dirty="0" smtClean="0">
+                <a:gradFill>
+                  <a:gsLst>
+                    <a:gs pos="0">
+                      <a:srgbClr val="7E858E"/>
+                    </a:gs>
+                    <a:gs pos="50000">
+                      <a:srgbClr val="7E858E"/>
+                    </a:gs>
+                  </a:gsLst>
+                  <a:lin ang="5400000" scaled="0"/>
+                </a:gradFill>
+                <a:effectLst>
+                  <a:outerShdw blurRad="38100" dist="38100" dir="2700000" algn="tl">
+                    <a:srgbClr val="000000">
+                      <a:alpha val="43137"/>
+                    </a:srgbClr>
+                  </a:outerShdw>
+                </a:effectLst>
+                <a:latin typeface="나눔고딕" pitchFamily="50" charset="-127"/>
+                <a:ea typeface="나눔고딕" pitchFamily="50" charset="-127"/>
+              </a:rPr>
+              <a:t>urrent location</a:t>
+            </a:r>
+            <a:endParaRPr lang="ko-KR" altLang="en-US" sz="4800" spc="600" dirty="0">
+              <a:gradFill>
+                <a:gsLst>
+                  <a:gs pos="0">
+                    <a:srgbClr val="7E858E"/>
+                  </a:gs>
+                  <a:gs pos="50000">
+                    <a:srgbClr val="7E858E"/>
+                  </a:gs>
+                </a:gsLst>
+                <a:lin ang="5400000" scaled="0"/>
+              </a:gradFill>
+              <a:effectLst>
+                <a:outerShdw blurRad="38100" dist="38100" dir="2700000" algn="tl">
+                  <a:srgbClr val="000000">
+                    <a:alpha val="43137"/>
+                  </a:srgbClr>
+                </a:outerShdw>
+              </a:effectLst>
+              <a:latin typeface="나눔고딕" pitchFamily="50" charset="-127"/>
+              <a:ea typeface="나눔고딕" pitchFamily="50" charset="-127"/>
+            </a:endParaRPr>
+          </a:p>
+        </p:txBody>
+      </p:sp>
+    </p:spTree>
+    <p:extLst>
+      <p:ext uri="{BB962C8B-B14F-4D97-AF65-F5344CB8AC3E}">
+        <p14:creationId xmlns:p14="http://schemas.microsoft.com/office/powerpoint/2010/main" val="246945076"/>
       </p:ext>
     </p:extLst>
   </p:cSld>
@@ -5228,6 +6169,930 @@
     <p:extLst>
       <p:ext uri="{BB962C8B-B14F-4D97-AF65-F5344CB8AC3E}">
         <p14:creationId xmlns:p14="http://schemas.microsoft.com/office/powerpoint/2010/main" val="1776194408"/>
+      </p:ext>
+    </p:extLst>
+  </p:cSld>
+  <p:clrMapOvr>
+    <a:masterClrMapping/>
+  </p:clrMapOvr>
+  <p:timing>
+    <p:tnLst>
+      <p:par>
+        <p:cTn id="1" dur="indefinite" restart="never" nodeType="tmRoot"/>
+      </p:par>
+    </p:tnLst>
+  </p:timing>
+</p:sld>
+</file>
+
+<file path=ppt/slides/slide20.xml><?xml version="1.0" encoding="utf-8"?>
+<p:sld xmlns:a="http://schemas.openxmlformats.org/drawingml/2006/main" xmlns:r="http://schemas.openxmlformats.org/officeDocument/2006/relationships" xmlns:p="http://schemas.openxmlformats.org/presentationml/2006/main">
+  <p:cSld>
+    <p:spTree>
+      <p:nvGrpSpPr>
+        <p:cNvPr id="1" name=""/>
+        <p:cNvGrpSpPr/>
+        <p:nvPr/>
+      </p:nvGrpSpPr>
+      <p:grpSpPr>
+        <a:xfrm>
+          <a:off x="0" y="0"/>
+          <a:ext cx="0" cy="0"/>
+          <a:chOff x="0" y="0"/>
+          <a:chExt cx="0" cy="0"/>
+        </a:xfrm>
+      </p:grpSpPr>
+      <p:sp>
+        <p:nvSpPr>
+          <p:cNvPr id="2" name="슬라이드 번호 개체 틀 1"/>
+          <p:cNvSpPr>
+            <a:spLocks noGrp="1"/>
+          </p:cNvSpPr>
+          <p:nvPr>
+            <p:ph type="sldNum" sz="quarter" idx="12"/>
+          </p:nvPr>
+        </p:nvSpPr>
+        <p:spPr/>
+        <p:txBody>
+          <a:bodyPr/>
+          <a:lstStyle/>
+          <a:p>
+            <a:fld id="{B91F475D-C4CC-4CE8-81AD-732BFDCB340A}" type="slidenum">
+              <a:rPr lang="ko-KR" altLang="en-US" smtClean="0"/>
+              <a:t>20</a:t>
+            </a:fld>
+            <a:endParaRPr lang="ko-KR" altLang="en-US"/>
+          </a:p>
+        </p:txBody>
+      </p:sp>
+      <p:sp>
+        <p:nvSpPr>
+          <p:cNvPr id="3" name="TextBox 2"/>
+          <p:cNvSpPr txBox="1"/>
+          <p:nvPr/>
+        </p:nvSpPr>
+        <p:spPr>
+          <a:xfrm>
+            <a:off x="162804" y="531756"/>
+            <a:ext cx="7114480" cy="380104"/>
+          </a:xfrm>
+          <a:prstGeom prst="rect">
+            <a:avLst/>
+          </a:prstGeom>
+          <a:noFill/>
+        </p:spPr>
+        <p:txBody>
+          <a:bodyPr wrap="square" rtlCol="0">
+            <a:spAutoFit/>
+          </a:bodyPr>
+          <a:lstStyle/>
+          <a:p>
+            <a:pPr>
+              <a:lnSpc>
+                <a:spcPct val="85000"/>
+              </a:lnSpc>
+            </a:pPr>
+            <a:r>
+              <a:rPr lang="en-US" altLang="ko-KR" sz="2200" spc="600" dirty="0" smtClean="0">
+                <a:solidFill>
+                  <a:srgbClr val="FF0000"/>
+                </a:solidFill>
+                <a:effectLst>
+                  <a:outerShdw blurRad="38100" dist="38100" dir="2700000" algn="tl">
+                    <a:srgbClr val="000000">
+                      <a:alpha val="43137"/>
+                    </a:srgbClr>
+                  </a:outerShdw>
+                </a:effectLst>
+                <a:latin typeface="나눔고딕" pitchFamily="50" charset="-127"/>
+                <a:ea typeface="나눔고딕" pitchFamily="50" charset="-127"/>
+              </a:rPr>
+              <a:t>Map’s current location</a:t>
+            </a:r>
+            <a:endParaRPr lang="ko-KR" altLang="en-US" sz="2200" spc="600" dirty="0">
+              <a:solidFill>
+                <a:srgbClr val="FF0000"/>
+              </a:solidFill>
+              <a:effectLst>
+                <a:outerShdw blurRad="38100" dist="38100" dir="2700000" algn="tl">
+                  <a:srgbClr val="000000">
+                    <a:alpha val="43137"/>
+                  </a:srgbClr>
+                </a:outerShdw>
+              </a:effectLst>
+              <a:latin typeface="나눔고딕" pitchFamily="50" charset="-127"/>
+              <a:ea typeface="나눔고딕" pitchFamily="50" charset="-127"/>
+            </a:endParaRPr>
+          </a:p>
+        </p:txBody>
+      </p:sp>
+      <p:pic>
+        <p:nvPicPr>
+          <p:cNvPr id="5" name="그림 4"/>
+          <p:cNvPicPr>
+            <a:picLocks noChangeAspect="1"/>
+          </p:cNvPicPr>
+          <p:nvPr/>
+        </p:nvPicPr>
+        <p:blipFill>
+          <a:blip r:embed="rId2"/>
+          <a:stretch>
+            <a:fillRect/>
+          </a:stretch>
+        </p:blipFill>
+        <p:spPr>
+          <a:xfrm>
+            <a:off x="1638125" y="1386228"/>
+            <a:ext cx="5867750" cy="5206343"/>
+          </a:xfrm>
+          <a:prstGeom prst="rect">
+            <a:avLst/>
+          </a:prstGeom>
+        </p:spPr>
+      </p:pic>
+    </p:spTree>
+    <p:extLst>
+      <p:ext uri="{BB962C8B-B14F-4D97-AF65-F5344CB8AC3E}">
+        <p14:creationId xmlns:p14="http://schemas.microsoft.com/office/powerpoint/2010/main" val="951693747"/>
+      </p:ext>
+    </p:extLst>
+  </p:cSld>
+  <p:clrMapOvr>
+    <a:masterClrMapping/>
+  </p:clrMapOvr>
+  <p:timing>
+    <p:tnLst>
+      <p:par>
+        <p:cTn id="1" dur="indefinite" restart="never" nodeType="tmRoot"/>
+      </p:par>
+    </p:tnLst>
+  </p:timing>
+</p:sld>
+</file>
+
+<file path=ppt/slides/slide21.xml><?xml version="1.0" encoding="utf-8"?>
+<p:sld xmlns:a="http://schemas.openxmlformats.org/drawingml/2006/main" xmlns:r="http://schemas.openxmlformats.org/officeDocument/2006/relationships" xmlns:p="http://schemas.openxmlformats.org/presentationml/2006/main">
+  <p:cSld>
+    <p:spTree>
+      <p:nvGrpSpPr>
+        <p:cNvPr id="1" name=""/>
+        <p:cNvGrpSpPr/>
+        <p:nvPr/>
+      </p:nvGrpSpPr>
+      <p:grpSpPr>
+        <a:xfrm>
+          <a:off x="0" y="0"/>
+          <a:ext cx="0" cy="0"/>
+          <a:chOff x="0" y="0"/>
+          <a:chExt cx="0" cy="0"/>
+        </a:xfrm>
+      </p:grpSpPr>
+      <p:sp>
+        <p:nvSpPr>
+          <p:cNvPr id="2" name="슬라이드 번호 개체 틀 1"/>
+          <p:cNvSpPr>
+            <a:spLocks noGrp="1"/>
+          </p:cNvSpPr>
+          <p:nvPr>
+            <p:ph type="sldNum" sz="quarter" idx="12"/>
+          </p:nvPr>
+        </p:nvSpPr>
+        <p:spPr/>
+        <p:txBody>
+          <a:bodyPr/>
+          <a:lstStyle/>
+          <a:p>
+            <a:fld id="{B91F475D-C4CC-4CE8-81AD-732BFDCB340A}" type="slidenum">
+              <a:rPr lang="ko-KR" altLang="en-US" smtClean="0"/>
+              <a:pPr/>
+              <a:t>21</a:t>
+            </a:fld>
+            <a:endParaRPr lang="ko-KR" altLang="en-US"/>
+          </a:p>
+        </p:txBody>
+      </p:sp>
+      <p:sp>
+        <p:nvSpPr>
+          <p:cNvPr id="4" name="TextBox 3"/>
+          <p:cNvSpPr txBox="1"/>
+          <p:nvPr/>
+        </p:nvSpPr>
+        <p:spPr>
+          <a:xfrm>
+            <a:off x="251520" y="3566875"/>
+            <a:ext cx="7114480" cy="1348061"/>
+          </a:xfrm>
+          <a:prstGeom prst="rect">
+            <a:avLst/>
+          </a:prstGeom>
+          <a:noFill/>
+        </p:spPr>
+        <p:txBody>
+          <a:bodyPr wrap="square" rtlCol="0">
+            <a:spAutoFit/>
+          </a:bodyPr>
+          <a:lstStyle/>
+          <a:p>
+            <a:pPr>
+              <a:lnSpc>
+                <a:spcPct val="85000"/>
+              </a:lnSpc>
+            </a:pPr>
+            <a:r>
+              <a:rPr lang="en-US" altLang="ko-KR" sz="4800" spc="600" dirty="0" smtClean="0">
+                <a:solidFill>
+                  <a:srgbClr val="FF0000"/>
+                </a:solidFill>
+                <a:effectLst>
+                  <a:outerShdw blurRad="38100" dist="38100" dir="2700000" algn="tl">
+                    <a:srgbClr val="000000">
+                      <a:alpha val="43137"/>
+                    </a:srgbClr>
+                  </a:outerShdw>
+                </a:effectLst>
+                <a:latin typeface="나눔고딕" pitchFamily="50" charset="-127"/>
+                <a:ea typeface="나눔고딕" pitchFamily="50" charset="-127"/>
+              </a:rPr>
+              <a:t>G</a:t>
+            </a:r>
+            <a:r>
+              <a:rPr lang="en-US" altLang="ko-KR" sz="4800" spc="600" dirty="0" smtClean="0">
+                <a:gradFill>
+                  <a:gsLst>
+                    <a:gs pos="0">
+                      <a:srgbClr val="7E858E"/>
+                    </a:gs>
+                    <a:gs pos="50000">
+                      <a:srgbClr val="7E858E"/>
+                    </a:gs>
+                  </a:gsLst>
+                  <a:lin ang="5400000" scaled="0"/>
+                </a:gradFill>
+                <a:effectLst>
+                  <a:outerShdw blurRad="38100" dist="38100" dir="2700000" algn="tl">
+                    <a:srgbClr val="000000">
+                      <a:alpha val="43137"/>
+                    </a:srgbClr>
+                  </a:outerShdw>
+                </a:effectLst>
+                <a:latin typeface="나눔고딕" pitchFamily="50" charset="-127"/>
+                <a:ea typeface="나눔고딕" pitchFamily="50" charset="-127"/>
+              </a:rPr>
+              <a:t>et</a:t>
+            </a:r>
+            <a:endParaRPr lang="en-US" altLang="ko-KR" sz="4800" spc="600" dirty="0">
+              <a:gradFill>
+                <a:gsLst>
+                  <a:gs pos="0">
+                    <a:srgbClr val="7E858E"/>
+                  </a:gs>
+                  <a:gs pos="50000">
+                    <a:srgbClr val="7E858E"/>
+                  </a:gs>
+                </a:gsLst>
+                <a:lin ang="5400000" scaled="0"/>
+              </a:gradFill>
+              <a:effectLst>
+                <a:outerShdw blurRad="38100" dist="38100" dir="2700000" algn="tl">
+                  <a:srgbClr val="000000">
+                    <a:alpha val="43137"/>
+                  </a:srgbClr>
+                </a:outerShdw>
+              </a:effectLst>
+              <a:latin typeface="나눔고딕" pitchFamily="50" charset="-127"/>
+              <a:ea typeface="나눔고딕" pitchFamily="50" charset="-127"/>
+            </a:endParaRPr>
+          </a:p>
+          <a:p>
+            <a:pPr>
+              <a:lnSpc>
+                <a:spcPct val="85000"/>
+              </a:lnSpc>
+            </a:pPr>
+            <a:r>
+              <a:rPr lang="en-US" altLang="ko-KR" sz="4800" spc="600" dirty="0" smtClean="0">
+                <a:solidFill>
+                  <a:srgbClr val="FF0000"/>
+                </a:solidFill>
+                <a:effectLst>
+                  <a:outerShdw blurRad="38100" dist="38100" dir="2700000" algn="tl">
+                    <a:srgbClr val="000000">
+                      <a:alpha val="43137"/>
+                    </a:srgbClr>
+                  </a:outerShdw>
+                </a:effectLst>
+                <a:latin typeface="나눔고딕" pitchFamily="50" charset="-127"/>
+                <a:ea typeface="나눔고딕" pitchFamily="50" charset="-127"/>
+              </a:rPr>
+              <a:t>H</a:t>
+            </a:r>
+            <a:r>
+              <a:rPr lang="en-US" altLang="ko-KR" sz="4800" spc="600" dirty="0" smtClean="0">
+                <a:gradFill>
+                  <a:gsLst>
+                    <a:gs pos="0">
+                      <a:srgbClr val="7E858E"/>
+                    </a:gs>
+                    <a:gs pos="50000">
+                      <a:srgbClr val="7E858E"/>
+                    </a:gs>
+                  </a:gsLst>
+                  <a:lin ang="5400000" scaled="0"/>
+                </a:gradFill>
+                <a:effectLst>
+                  <a:outerShdw blurRad="38100" dist="38100" dir="2700000" algn="tl">
+                    <a:srgbClr val="000000">
+                      <a:alpha val="43137"/>
+                    </a:srgbClr>
+                  </a:outerShdw>
+                </a:effectLst>
+                <a:latin typeface="나눔고딕" pitchFamily="50" charset="-127"/>
+                <a:ea typeface="나눔고딕" pitchFamily="50" charset="-127"/>
+              </a:rPr>
+              <a:t>istory Data</a:t>
+            </a:r>
+            <a:endParaRPr lang="ko-KR" altLang="en-US" sz="4800" spc="600" dirty="0">
+              <a:gradFill>
+                <a:gsLst>
+                  <a:gs pos="0">
+                    <a:srgbClr val="7E858E"/>
+                  </a:gs>
+                  <a:gs pos="50000">
+                    <a:srgbClr val="7E858E"/>
+                  </a:gs>
+                </a:gsLst>
+                <a:lin ang="5400000" scaled="0"/>
+              </a:gradFill>
+              <a:effectLst>
+                <a:outerShdw blurRad="38100" dist="38100" dir="2700000" algn="tl">
+                  <a:srgbClr val="000000">
+                    <a:alpha val="43137"/>
+                  </a:srgbClr>
+                </a:outerShdw>
+              </a:effectLst>
+              <a:latin typeface="나눔고딕" pitchFamily="50" charset="-127"/>
+              <a:ea typeface="나눔고딕" pitchFamily="50" charset="-127"/>
+            </a:endParaRPr>
+          </a:p>
+        </p:txBody>
+      </p:sp>
+    </p:spTree>
+    <p:extLst>
+      <p:ext uri="{BB962C8B-B14F-4D97-AF65-F5344CB8AC3E}">
+        <p14:creationId xmlns:p14="http://schemas.microsoft.com/office/powerpoint/2010/main" val="3271832307"/>
+      </p:ext>
+    </p:extLst>
+  </p:cSld>
+  <p:clrMapOvr>
+    <a:masterClrMapping/>
+  </p:clrMapOvr>
+  <p:timing>
+    <p:tnLst>
+      <p:par>
+        <p:cTn id="1" dur="indefinite" restart="never" nodeType="tmRoot"/>
+      </p:par>
+    </p:tnLst>
+  </p:timing>
+</p:sld>
+</file>
+
+<file path=ppt/slides/slide22.xml><?xml version="1.0" encoding="utf-8"?>
+<p:sld xmlns:a="http://schemas.openxmlformats.org/drawingml/2006/main" xmlns:r="http://schemas.openxmlformats.org/officeDocument/2006/relationships" xmlns:p="http://schemas.openxmlformats.org/presentationml/2006/main">
+  <p:cSld>
+    <p:spTree>
+      <p:nvGrpSpPr>
+        <p:cNvPr id="1" name=""/>
+        <p:cNvGrpSpPr/>
+        <p:nvPr/>
+      </p:nvGrpSpPr>
+      <p:grpSpPr>
+        <a:xfrm>
+          <a:off x="0" y="0"/>
+          <a:ext cx="0" cy="0"/>
+          <a:chOff x="0" y="0"/>
+          <a:chExt cx="0" cy="0"/>
+        </a:xfrm>
+      </p:grpSpPr>
+      <p:sp>
+        <p:nvSpPr>
+          <p:cNvPr id="2" name="슬라이드 번호 개체 틀 1"/>
+          <p:cNvSpPr>
+            <a:spLocks noGrp="1"/>
+          </p:cNvSpPr>
+          <p:nvPr>
+            <p:ph type="sldNum" sz="quarter" idx="12"/>
+          </p:nvPr>
+        </p:nvSpPr>
+        <p:spPr/>
+        <p:txBody>
+          <a:bodyPr/>
+          <a:lstStyle/>
+          <a:p>
+            <a:fld id="{B91F475D-C4CC-4CE8-81AD-732BFDCB340A}" type="slidenum">
+              <a:rPr lang="ko-KR" altLang="en-US" smtClean="0"/>
+              <a:t>22</a:t>
+            </a:fld>
+            <a:endParaRPr lang="ko-KR" altLang="en-US"/>
+          </a:p>
+        </p:txBody>
+      </p:sp>
+      <p:sp>
+        <p:nvSpPr>
+          <p:cNvPr id="3" name="TextBox 2"/>
+          <p:cNvSpPr txBox="1"/>
+          <p:nvPr/>
+        </p:nvSpPr>
+        <p:spPr>
+          <a:xfrm>
+            <a:off x="162804" y="531756"/>
+            <a:ext cx="7114480" cy="380104"/>
+          </a:xfrm>
+          <a:prstGeom prst="rect">
+            <a:avLst/>
+          </a:prstGeom>
+          <a:noFill/>
+        </p:spPr>
+        <p:txBody>
+          <a:bodyPr wrap="square" rtlCol="0">
+            <a:spAutoFit/>
+          </a:bodyPr>
+          <a:lstStyle/>
+          <a:p>
+            <a:pPr>
+              <a:lnSpc>
+                <a:spcPct val="85000"/>
+              </a:lnSpc>
+            </a:pPr>
+            <a:r>
+              <a:rPr lang="en-US" altLang="ko-KR" sz="2200" spc="600" dirty="0" smtClean="0">
+                <a:solidFill>
+                  <a:srgbClr val="FF0000"/>
+                </a:solidFill>
+                <a:effectLst>
+                  <a:outerShdw blurRad="38100" dist="38100" dir="2700000" algn="tl">
+                    <a:srgbClr val="000000">
+                      <a:alpha val="43137"/>
+                    </a:srgbClr>
+                  </a:outerShdw>
+                </a:effectLst>
+                <a:latin typeface="나눔고딕" pitchFamily="50" charset="-127"/>
+                <a:ea typeface="나눔고딕" pitchFamily="50" charset="-127"/>
+              </a:rPr>
+              <a:t>Get History data</a:t>
+            </a:r>
+            <a:endParaRPr lang="ko-KR" altLang="en-US" sz="2200" spc="600" dirty="0">
+              <a:solidFill>
+                <a:srgbClr val="FF0000"/>
+              </a:solidFill>
+              <a:effectLst>
+                <a:outerShdw blurRad="38100" dist="38100" dir="2700000" algn="tl">
+                  <a:srgbClr val="000000">
+                    <a:alpha val="43137"/>
+                  </a:srgbClr>
+                </a:outerShdw>
+              </a:effectLst>
+              <a:latin typeface="나눔고딕" pitchFamily="50" charset="-127"/>
+              <a:ea typeface="나눔고딕" pitchFamily="50" charset="-127"/>
+            </a:endParaRPr>
+          </a:p>
+        </p:txBody>
+      </p:sp>
+      <p:pic>
+        <p:nvPicPr>
+          <p:cNvPr id="4" name="그림 3"/>
+          <p:cNvPicPr>
+            <a:picLocks noChangeAspect="1"/>
+          </p:cNvPicPr>
+          <p:nvPr/>
+        </p:nvPicPr>
+        <p:blipFill>
+          <a:blip r:embed="rId2"/>
+          <a:stretch>
+            <a:fillRect/>
+          </a:stretch>
+        </p:blipFill>
+        <p:spPr>
+          <a:xfrm>
+            <a:off x="1532682" y="1595789"/>
+            <a:ext cx="6078637" cy="4889611"/>
+          </a:xfrm>
+          <a:prstGeom prst="rect">
+            <a:avLst/>
+          </a:prstGeom>
+        </p:spPr>
+      </p:pic>
+    </p:spTree>
+    <p:extLst>
+      <p:ext uri="{BB962C8B-B14F-4D97-AF65-F5344CB8AC3E}">
+        <p14:creationId xmlns:p14="http://schemas.microsoft.com/office/powerpoint/2010/main" val="3676777287"/>
+      </p:ext>
+    </p:extLst>
+  </p:cSld>
+  <p:clrMapOvr>
+    <a:masterClrMapping/>
+  </p:clrMapOvr>
+  <p:timing>
+    <p:tnLst>
+      <p:par>
+        <p:cTn id="1" dur="indefinite" restart="never" nodeType="tmRoot"/>
+      </p:par>
+    </p:tnLst>
+  </p:timing>
+</p:sld>
+</file>
+
+<file path=ppt/slides/slide23.xml><?xml version="1.0" encoding="utf-8"?>
+<p:sld xmlns:a="http://schemas.openxmlformats.org/drawingml/2006/main" xmlns:r="http://schemas.openxmlformats.org/officeDocument/2006/relationships" xmlns:p="http://schemas.openxmlformats.org/presentationml/2006/main">
+  <p:cSld>
+    <p:spTree>
+      <p:nvGrpSpPr>
+        <p:cNvPr id="1" name=""/>
+        <p:cNvGrpSpPr/>
+        <p:nvPr/>
+      </p:nvGrpSpPr>
+      <p:grpSpPr>
+        <a:xfrm>
+          <a:off x="0" y="0"/>
+          <a:ext cx="0" cy="0"/>
+          <a:chOff x="0" y="0"/>
+          <a:chExt cx="0" cy="0"/>
+        </a:xfrm>
+      </p:grpSpPr>
+      <p:sp>
+        <p:nvSpPr>
+          <p:cNvPr id="2" name="슬라이드 번호 개체 틀 1"/>
+          <p:cNvSpPr>
+            <a:spLocks noGrp="1"/>
+          </p:cNvSpPr>
+          <p:nvPr>
+            <p:ph type="sldNum" sz="quarter" idx="12"/>
+          </p:nvPr>
+        </p:nvSpPr>
+        <p:spPr/>
+        <p:txBody>
+          <a:bodyPr/>
+          <a:lstStyle/>
+          <a:p>
+            <a:fld id="{B91F475D-C4CC-4CE8-81AD-732BFDCB340A}" type="slidenum">
+              <a:rPr lang="ko-KR" altLang="en-US" smtClean="0"/>
+              <a:t>23</a:t>
+            </a:fld>
+            <a:endParaRPr lang="ko-KR" altLang="en-US"/>
+          </a:p>
+        </p:txBody>
+      </p:sp>
+      <p:sp>
+        <p:nvSpPr>
+          <p:cNvPr id="4" name="TextBox 3"/>
+          <p:cNvSpPr txBox="1"/>
+          <p:nvPr/>
+        </p:nvSpPr>
+        <p:spPr>
+          <a:xfrm>
+            <a:off x="251520" y="3566875"/>
+            <a:ext cx="7114480" cy="1348061"/>
+          </a:xfrm>
+          <a:prstGeom prst="rect">
+            <a:avLst/>
+          </a:prstGeom>
+          <a:noFill/>
+        </p:spPr>
+        <p:txBody>
+          <a:bodyPr wrap="square" rtlCol="0">
+            <a:spAutoFit/>
+          </a:bodyPr>
+          <a:lstStyle/>
+          <a:p>
+            <a:pPr>
+              <a:lnSpc>
+                <a:spcPct val="85000"/>
+              </a:lnSpc>
+            </a:pPr>
+            <a:r>
+              <a:rPr lang="en-US" altLang="ko-KR" sz="4800" spc="600" dirty="0" smtClean="0">
+                <a:solidFill>
+                  <a:srgbClr val="FF0000"/>
+                </a:solidFill>
+                <a:effectLst>
+                  <a:outerShdw blurRad="38100" dist="38100" dir="2700000" algn="tl">
+                    <a:srgbClr val="000000">
+                      <a:alpha val="43137"/>
+                    </a:srgbClr>
+                  </a:outerShdw>
+                </a:effectLst>
+                <a:latin typeface="나눔고딕" pitchFamily="50" charset="-127"/>
+                <a:ea typeface="나눔고딕" pitchFamily="50" charset="-127"/>
+              </a:rPr>
+              <a:t>S</a:t>
+            </a:r>
+            <a:r>
+              <a:rPr lang="en-US" altLang="ko-KR" sz="4800" spc="600" dirty="0" smtClean="0">
+                <a:gradFill>
+                  <a:gsLst>
+                    <a:gs pos="0">
+                      <a:srgbClr val="7E858E"/>
+                    </a:gs>
+                    <a:gs pos="50000">
+                      <a:srgbClr val="7E858E"/>
+                    </a:gs>
+                  </a:gsLst>
+                  <a:lin ang="5400000" scaled="0"/>
+                </a:gradFill>
+                <a:effectLst>
+                  <a:outerShdw blurRad="38100" dist="38100" dir="2700000" algn="tl">
+                    <a:srgbClr val="000000">
+                      <a:alpha val="43137"/>
+                    </a:srgbClr>
+                  </a:outerShdw>
+                </a:effectLst>
+                <a:latin typeface="나눔고딕" pitchFamily="50" charset="-127"/>
+                <a:ea typeface="나눔고딕" pitchFamily="50" charset="-127"/>
+              </a:rPr>
+              <a:t>ign </a:t>
+            </a:r>
+          </a:p>
+          <a:p>
+            <a:pPr>
+              <a:lnSpc>
+                <a:spcPct val="85000"/>
+              </a:lnSpc>
+            </a:pPr>
+            <a:r>
+              <a:rPr lang="en-US" altLang="ko-KR" sz="4800" spc="600" dirty="0" smtClean="0">
+                <a:solidFill>
+                  <a:srgbClr val="FF0000"/>
+                </a:solidFill>
+                <a:effectLst>
+                  <a:outerShdw blurRad="38100" dist="38100" dir="2700000" algn="tl">
+                    <a:srgbClr val="000000">
+                      <a:alpha val="43137"/>
+                    </a:srgbClr>
+                  </a:outerShdw>
+                </a:effectLst>
+                <a:latin typeface="나눔고딕" pitchFamily="50" charset="-127"/>
+                <a:ea typeface="나눔고딕" pitchFamily="50" charset="-127"/>
+              </a:rPr>
+              <a:t>O</a:t>
+            </a:r>
+            <a:r>
+              <a:rPr lang="en-US" altLang="ko-KR" sz="4800" spc="600" dirty="0" smtClean="0">
+                <a:gradFill>
+                  <a:gsLst>
+                    <a:gs pos="0">
+                      <a:srgbClr val="7E858E"/>
+                    </a:gs>
+                    <a:gs pos="50000">
+                      <a:srgbClr val="7E858E"/>
+                    </a:gs>
+                  </a:gsLst>
+                  <a:lin ang="5400000" scaled="0"/>
+                </a:gradFill>
+                <a:effectLst>
+                  <a:outerShdw blurRad="38100" dist="38100" dir="2700000" algn="tl">
+                    <a:srgbClr val="000000">
+                      <a:alpha val="43137"/>
+                    </a:srgbClr>
+                  </a:outerShdw>
+                </a:effectLst>
+                <a:latin typeface="나눔고딕" pitchFamily="50" charset="-127"/>
+                <a:ea typeface="나눔고딕" pitchFamily="50" charset="-127"/>
+              </a:rPr>
+              <a:t>ut</a:t>
+            </a:r>
+            <a:endParaRPr lang="ko-KR" altLang="en-US" sz="4800" spc="600" dirty="0">
+              <a:gradFill>
+                <a:gsLst>
+                  <a:gs pos="0">
+                    <a:srgbClr val="7E858E"/>
+                  </a:gs>
+                  <a:gs pos="50000">
+                    <a:srgbClr val="7E858E"/>
+                  </a:gs>
+                </a:gsLst>
+                <a:lin ang="5400000" scaled="0"/>
+              </a:gradFill>
+              <a:effectLst>
+                <a:outerShdw blurRad="38100" dist="38100" dir="2700000" algn="tl">
+                  <a:srgbClr val="000000">
+                    <a:alpha val="43137"/>
+                  </a:srgbClr>
+                </a:outerShdw>
+              </a:effectLst>
+              <a:latin typeface="나눔고딕" pitchFamily="50" charset="-127"/>
+              <a:ea typeface="나눔고딕" pitchFamily="50" charset="-127"/>
+            </a:endParaRPr>
+          </a:p>
+        </p:txBody>
+      </p:sp>
+    </p:spTree>
+    <p:extLst>
+      <p:ext uri="{BB962C8B-B14F-4D97-AF65-F5344CB8AC3E}">
+        <p14:creationId xmlns:p14="http://schemas.microsoft.com/office/powerpoint/2010/main" val="2701777894"/>
+      </p:ext>
+    </p:extLst>
+  </p:cSld>
+  <p:clrMapOvr>
+    <a:masterClrMapping/>
+  </p:clrMapOvr>
+  <p:timing>
+    <p:tnLst>
+      <p:par>
+        <p:cTn id="1" dur="indefinite" restart="never" nodeType="tmRoot"/>
+      </p:par>
+    </p:tnLst>
+  </p:timing>
+</p:sld>
+</file>
+
+<file path=ppt/slides/slide24.xml><?xml version="1.0" encoding="utf-8"?>
+<p:sld xmlns:a="http://schemas.openxmlformats.org/drawingml/2006/main" xmlns:r="http://schemas.openxmlformats.org/officeDocument/2006/relationships" xmlns:p="http://schemas.openxmlformats.org/presentationml/2006/main">
+  <p:cSld>
+    <p:spTree>
+      <p:nvGrpSpPr>
+        <p:cNvPr id="1" name=""/>
+        <p:cNvGrpSpPr/>
+        <p:nvPr/>
+      </p:nvGrpSpPr>
+      <p:grpSpPr>
+        <a:xfrm>
+          <a:off x="0" y="0"/>
+          <a:ext cx="0" cy="0"/>
+          <a:chOff x="0" y="0"/>
+          <a:chExt cx="0" cy="0"/>
+        </a:xfrm>
+      </p:grpSpPr>
+      <p:sp>
+        <p:nvSpPr>
+          <p:cNvPr id="2" name="슬라이드 번호 개체 틀 1"/>
+          <p:cNvSpPr>
+            <a:spLocks noGrp="1"/>
+          </p:cNvSpPr>
+          <p:nvPr>
+            <p:ph type="sldNum" sz="quarter" idx="12"/>
+          </p:nvPr>
+        </p:nvSpPr>
+        <p:spPr/>
+        <p:txBody>
+          <a:bodyPr/>
+          <a:lstStyle/>
+          <a:p>
+            <a:fld id="{B91F475D-C4CC-4CE8-81AD-732BFDCB340A}" type="slidenum">
+              <a:rPr lang="ko-KR" altLang="en-US" smtClean="0"/>
+              <a:t>24</a:t>
+            </a:fld>
+            <a:endParaRPr lang="ko-KR" altLang="en-US"/>
+          </a:p>
+        </p:txBody>
+      </p:sp>
+      <p:sp>
+        <p:nvSpPr>
+          <p:cNvPr id="3" name="TextBox 2"/>
+          <p:cNvSpPr txBox="1"/>
+          <p:nvPr/>
+        </p:nvSpPr>
+        <p:spPr>
+          <a:xfrm>
+            <a:off x="162804" y="531756"/>
+            <a:ext cx="7114480" cy="380104"/>
+          </a:xfrm>
+          <a:prstGeom prst="rect">
+            <a:avLst/>
+          </a:prstGeom>
+          <a:noFill/>
+        </p:spPr>
+        <p:txBody>
+          <a:bodyPr wrap="square" rtlCol="0">
+            <a:spAutoFit/>
+          </a:bodyPr>
+          <a:lstStyle/>
+          <a:p>
+            <a:pPr>
+              <a:lnSpc>
+                <a:spcPct val="85000"/>
+              </a:lnSpc>
+            </a:pPr>
+            <a:r>
+              <a:rPr lang="en-US" altLang="ko-KR" sz="2200" spc="600" dirty="0" smtClean="0">
+                <a:solidFill>
+                  <a:srgbClr val="FF0000"/>
+                </a:solidFill>
+                <a:effectLst>
+                  <a:outerShdw blurRad="38100" dist="38100" dir="2700000" algn="tl">
+                    <a:srgbClr val="000000">
+                      <a:alpha val="43137"/>
+                    </a:srgbClr>
+                  </a:outerShdw>
+                </a:effectLst>
+                <a:latin typeface="나눔고딕" pitchFamily="50" charset="-127"/>
+                <a:ea typeface="나눔고딕" pitchFamily="50" charset="-127"/>
+              </a:rPr>
+              <a:t>Sign out</a:t>
+            </a:r>
+            <a:endParaRPr lang="ko-KR" altLang="en-US" sz="2200" spc="600" dirty="0">
+              <a:solidFill>
+                <a:srgbClr val="FF0000"/>
+              </a:solidFill>
+              <a:effectLst>
+                <a:outerShdw blurRad="38100" dist="38100" dir="2700000" algn="tl">
+                  <a:srgbClr val="000000">
+                    <a:alpha val="43137"/>
+                  </a:srgbClr>
+                </a:outerShdw>
+              </a:effectLst>
+              <a:latin typeface="나눔고딕" pitchFamily="50" charset="-127"/>
+              <a:ea typeface="나눔고딕" pitchFamily="50" charset="-127"/>
+            </a:endParaRPr>
+          </a:p>
+        </p:txBody>
+      </p:sp>
+      <p:pic>
+        <p:nvPicPr>
+          <p:cNvPr id="4" name="그림 3"/>
+          <p:cNvPicPr>
+            <a:picLocks noChangeAspect="1"/>
+          </p:cNvPicPr>
+          <p:nvPr/>
+        </p:nvPicPr>
+        <p:blipFill>
+          <a:blip r:embed="rId2"/>
+          <a:stretch>
+            <a:fillRect/>
+          </a:stretch>
+        </p:blipFill>
+        <p:spPr>
+          <a:xfrm>
+            <a:off x="1232381" y="1660226"/>
+            <a:ext cx="6679239" cy="4009501"/>
+          </a:xfrm>
+          <a:prstGeom prst="rect">
+            <a:avLst/>
+          </a:prstGeom>
+        </p:spPr>
+      </p:pic>
+    </p:spTree>
+    <p:extLst>
+      <p:ext uri="{BB962C8B-B14F-4D97-AF65-F5344CB8AC3E}">
+        <p14:creationId xmlns:p14="http://schemas.microsoft.com/office/powerpoint/2010/main" val="2829603269"/>
+      </p:ext>
+    </p:extLst>
+  </p:cSld>
+  <p:clrMapOvr>
+    <a:masterClrMapping/>
+  </p:clrMapOvr>
+  <p:timing>
+    <p:tnLst>
+      <p:par>
+        <p:cTn id="1" dur="indefinite" restart="never" nodeType="tmRoot"/>
+      </p:par>
+    </p:tnLst>
+  </p:timing>
+</p:sld>
+</file>
+
+<file path=ppt/slides/slide25.xml><?xml version="1.0" encoding="utf-8"?>
+<p:sld xmlns:a="http://schemas.openxmlformats.org/drawingml/2006/main" xmlns:r="http://schemas.openxmlformats.org/officeDocument/2006/relationships" xmlns:p="http://schemas.openxmlformats.org/presentationml/2006/main">
+  <p:cSld>
+    <p:spTree>
+      <p:nvGrpSpPr>
+        <p:cNvPr id="1" name=""/>
+        <p:cNvGrpSpPr/>
+        <p:nvPr/>
+      </p:nvGrpSpPr>
+      <p:grpSpPr>
+        <a:xfrm>
+          <a:off x="0" y="0"/>
+          <a:ext cx="0" cy="0"/>
+          <a:chOff x="0" y="0"/>
+          <a:chExt cx="0" cy="0"/>
+        </a:xfrm>
+      </p:grpSpPr>
+      <p:sp>
+        <p:nvSpPr>
+          <p:cNvPr id="2" name="슬라이드 번호 개체 틀 1"/>
+          <p:cNvSpPr>
+            <a:spLocks noGrp="1"/>
+          </p:cNvSpPr>
+          <p:nvPr>
+            <p:ph type="sldNum" sz="quarter" idx="12"/>
+          </p:nvPr>
+        </p:nvSpPr>
+        <p:spPr/>
+        <p:txBody>
+          <a:bodyPr/>
+          <a:lstStyle/>
+          <a:p>
+            <a:fld id="{B91F475D-C4CC-4CE8-81AD-732BFDCB340A}" type="slidenum">
+              <a:rPr lang="ko-KR" altLang="en-US" smtClean="0"/>
+              <a:t>25</a:t>
+            </a:fld>
+            <a:endParaRPr lang="ko-KR" altLang="en-US"/>
+          </a:p>
+        </p:txBody>
+      </p:sp>
+    </p:spTree>
+    <p:extLst>
+      <p:ext uri="{BB962C8B-B14F-4D97-AF65-F5344CB8AC3E}">
+        <p14:creationId xmlns:p14="http://schemas.microsoft.com/office/powerpoint/2010/main" val="1691518379"/>
       </p:ext>
     </p:extLst>
   </p:cSld>
@@ -12283,161 +14148,275 @@
           </a:p>
         </p:txBody>
       </p:sp>
-      <p:sp>
-        <p:nvSpPr>
-          <p:cNvPr id="4" name="TextBox 3"/>
-          <p:cNvSpPr txBox="1"/>
+      <p:grpSp>
+        <p:nvGrpSpPr>
+          <p:cNvPr id="7" name="그룹 6"/>
+          <p:cNvGrpSpPr/>
           <p:nvPr/>
-        </p:nvSpPr>
-        <p:spPr>
+        </p:nvGrpSpPr>
+        <p:grpSpPr>
           <a:xfrm>
-            <a:off x="417444" y="1258551"/>
-            <a:ext cx="4066178" cy="4199611"/>
+            <a:off x="563687" y="1258551"/>
+            <a:ext cx="8016626" cy="4247317"/>
+            <a:chOff x="417444" y="1258551"/>
+            <a:chExt cx="8016626" cy="4247317"/>
           </a:xfrm>
-          <a:prstGeom prst="rect">
-            <a:avLst/>
-          </a:prstGeom>
-          <a:noFill/>
-        </p:spPr>
-        <p:txBody>
-          <a:bodyPr wrap="none" rtlCol="0">
-            <a:spAutoFit/>
-          </a:bodyPr>
-          <a:lstStyle/>
-          <a:p>
-            <a:pPr marL="285750" indent="-285750">
-              <a:lnSpc>
-                <a:spcPct val="150000"/>
-              </a:lnSpc>
-              <a:buFont typeface="Arial" panose="020B0604020202020204" pitchFamily="34" charset="0"/>
-              <a:buChar char="•"/>
-            </a:pPr>
-            <a:r>
-              <a:rPr lang="en-US" altLang="ko-KR" sz="2000" dirty="0" smtClean="0">
-                <a:latin typeface="나눔고딕 ExtraBold" panose="020D0904000000000000" pitchFamily="50" charset="-127"/>
-                <a:ea typeface="나눔고딕 ExtraBold" panose="020D0904000000000000" pitchFamily="50" charset="-127"/>
-              </a:rPr>
-              <a:t>Sensor</a:t>
-            </a:r>
-          </a:p>
-          <a:p>
-            <a:pPr marL="800100" lvl="1" indent="-342900">
-              <a:lnSpc>
-                <a:spcPct val="150000"/>
-              </a:lnSpc>
-              <a:buFontTx/>
-              <a:buChar char="-"/>
-            </a:pPr>
-            <a:r>
-              <a:rPr lang="en-US" altLang="ko-KR" sz="2000" dirty="0" smtClean="0"/>
-              <a:t>Collect, Send Air data</a:t>
-            </a:r>
-          </a:p>
-          <a:p>
-            <a:pPr marL="800100" lvl="1" indent="-342900">
-              <a:lnSpc>
-                <a:spcPct val="150000"/>
-              </a:lnSpc>
-              <a:buFontTx/>
-              <a:buChar char="-"/>
-            </a:pPr>
-            <a:r>
-              <a:rPr lang="en-US" altLang="ko-KR" sz="2000" dirty="0" smtClean="0"/>
-              <a:t>Make Data to JSON, CSV form</a:t>
-            </a:r>
-          </a:p>
-          <a:p>
-            <a:pPr marL="285750" indent="-285750">
-              <a:lnSpc>
-                <a:spcPct val="150000"/>
-              </a:lnSpc>
-              <a:buFont typeface="Arial" panose="020B0604020202020204" pitchFamily="34" charset="0"/>
-              <a:buChar char="•"/>
-            </a:pPr>
-            <a:r>
-              <a:rPr lang="en-US" altLang="ko-KR" sz="2000" dirty="0" smtClean="0">
-                <a:latin typeface="나눔고딕 ExtraBold" panose="020D0904000000000000" pitchFamily="50" charset="-127"/>
-                <a:ea typeface="나눔고딕 ExtraBold" panose="020D0904000000000000" pitchFamily="50" charset="-127"/>
-              </a:rPr>
-              <a:t>App</a:t>
-            </a:r>
-          </a:p>
-          <a:p>
-            <a:pPr>
-              <a:lnSpc>
-                <a:spcPct val="150000"/>
-              </a:lnSpc>
-            </a:pPr>
-            <a:r>
-              <a:rPr lang="en-US" altLang="ko-KR" sz="2000" dirty="0" smtClean="0"/>
-              <a:t>	-</a:t>
-            </a:r>
-          </a:p>
-          <a:p>
-            <a:pPr marL="285750" indent="-285750">
-              <a:lnSpc>
-                <a:spcPct val="150000"/>
-              </a:lnSpc>
-              <a:buFont typeface="Arial" panose="020B0604020202020204" pitchFamily="34" charset="0"/>
-              <a:buChar char="•"/>
-            </a:pPr>
-            <a:r>
-              <a:rPr lang="en-US" altLang="ko-KR" sz="2000" dirty="0" smtClean="0">
-                <a:latin typeface="나눔고딕 ExtraBold" panose="020D0904000000000000" pitchFamily="50" charset="-127"/>
-                <a:ea typeface="나눔고딕 ExtraBold" panose="020D0904000000000000" pitchFamily="50" charset="-127"/>
-              </a:rPr>
-              <a:t>Web</a:t>
-            </a:r>
-          </a:p>
-          <a:p>
-            <a:pPr>
-              <a:lnSpc>
-                <a:spcPct val="150000"/>
-              </a:lnSpc>
-            </a:pPr>
-            <a:r>
-              <a:rPr lang="en-US" altLang="ko-KR" sz="2000" dirty="0"/>
-              <a:t>	</a:t>
-            </a:r>
-            <a:r>
-              <a:rPr lang="en-US" altLang="ko-KR" sz="2000" dirty="0" smtClean="0"/>
-              <a:t>-</a:t>
-            </a:r>
-          </a:p>
-          <a:p>
-            <a:pPr marL="285750" indent="-285750">
-              <a:lnSpc>
-                <a:spcPct val="150000"/>
-              </a:lnSpc>
-              <a:buFont typeface="Arial" panose="020B0604020202020204" pitchFamily="34" charset="0"/>
-              <a:buChar char="•"/>
-            </a:pPr>
-            <a:r>
-              <a:rPr lang="en-US" altLang="ko-KR" sz="2000" dirty="0" smtClean="0">
-                <a:latin typeface="나눔고딕 ExtraBold" panose="020D0904000000000000" pitchFamily="50" charset="-127"/>
-                <a:ea typeface="나눔고딕 ExtraBold" panose="020D0904000000000000" pitchFamily="50" charset="-127"/>
-              </a:rPr>
-              <a:t>Data Base</a:t>
-            </a:r>
-          </a:p>
-          <a:p>
-            <a:pPr>
-              <a:lnSpc>
-                <a:spcPct val="150000"/>
-              </a:lnSpc>
-            </a:pPr>
-            <a:r>
-              <a:rPr lang="en-US" altLang="ko-KR" sz="2000" dirty="0" smtClean="0"/>
-              <a:t>	</a:t>
-            </a:r>
-            <a:r>
-              <a:rPr lang="en-US" altLang="ko-KR" sz="2000" dirty="0"/>
-              <a:t> - </a:t>
-            </a:r>
-            <a:endParaRPr lang="ko-KR" altLang="en-US" sz="2000" dirty="0"/>
-          </a:p>
-        </p:txBody>
-      </p:sp>
+        </p:grpSpPr>
+        <p:sp>
+          <p:nvSpPr>
+            <p:cNvPr id="4" name="TextBox 3"/>
+            <p:cNvSpPr txBox="1"/>
+            <p:nvPr/>
+          </p:nvSpPr>
+          <p:spPr>
+            <a:xfrm>
+              <a:off x="417444" y="1258551"/>
+              <a:ext cx="4066178" cy="4247317"/>
+            </a:xfrm>
+            <a:prstGeom prst="rect">
+              <a:avLst/>
+            </a:prstGeom>
+            <a:noFill/>
+          </p:spPr>
+          <p:txBody>
+            <a:bodyPr wrap="none" rtlCol="0">
+              <a:spAutoFit/>
+            </a:bodyPr>
+            <a:lstStyle/>
+            <a:p>
+              <a:pPr marL="285750" indent="-285750">
+                <a:lnSpc>
+                  <a:spcPct val="150000"/>
+                </a:lnSpc>
+                <a:buFont typeface="Arial" panose="020B0604020202020204" pitchFamily="34" charset="0"/>
+                <a:buChar char="•"/>
+              </a:pPr>
+              <a:r>
+                <a:rPr lang="en-US" altLang="ko-KR" sz="2000" dirty="0" smtClean="0">
+                  <a:latin typeface="나눔고딕 ExtraBold" panose="020D0904000000000000" pitchFamily="50" charset="-127"/>
+                  <a:ea typeface="나눔고딕 ExtraBold" panose="020D0904000000000000" pitchFamily="50" charset="-127"/>
+                </a:rPr>
+                <a:t>Sensor</a:t>
+              </a:r>
+            </a:p>
+            <a:p>
+              <a:pPr marL="800100" lvl="1" indent="-342900">
+                <a:lnSpc>
+                  <a:spcPct val="150000"/>
+                </a:lnSpc>
+                <a:buFontTx/>
+                <a:buChar char="-"/>
+              </a:pPr>
+              <a:r>
+                <a:rPr lang="en-US" altLang="ko-KR" sz="2000" dirty="0" smtClean="0"/>
+                <a:t>Collect, Send Air data</a:t>
+              </a:r>
+            </a:p>
+            <a:p>
+              <a:pPr marL="800100" lvl="1" indent="-342900">
+                <a:lnSpc>
+                  <a:spcPct val="150000"/>
+                </a:lnSpc>
+                <a:buFontTx/>
+                <a:buChar char="-"/>
+              </a:pPr>
+              <a:r>
+                <a:rPr lang="en-US" altLang="ko-KR" sz="2000" dirty="0" smtClean="0"/>
+                <a:t>Make Data to JSON, CSV form</a:t>
+              </a:r>
+            </a:p>
+            <a:p>
+              <a:pPr marL="285750" indent="-285750">
+                <a:lnSpc>
+                  <a:spcPct val="150000"/>
+                </a:lnSpc>
+                <a:buFont typeface="Arial" panose="020B0604020202020204" pitchFamily="34" charset="0"/>
+                <a:buChar char="•"/>
+              </a:pPr>
+              <a:r>
+                <a:rPr lang="en-US" altLang="ko-KR" sz="2000" dirty="0" smtClean="0">
+                  <a:latin typeface="나눔고딕 ExtraBold" panose="020D0904000000000000" pitchFamily="50" charset="-127"/>
+                  <a:ea typeface="나눔고딕 ExtraBold" panose="020D0904000000000000" pitchFamily="50" charset="-127"/>
+                </a:rPr>
+                <a:t>App</a:t>
+              </a:r>
+            </a:p>
+            <a:p>
+              <a:pPr>
+                <a:lnSpc>
+                  <a:spcPct val="150000"/>
+                </a:lnSpc>
+              </a:pPr>
+              <a:r>
+                <a:rPr lang="en-US" altLang="ko-KR" sz="2000" dirty="0" smtClean="0"/>
+                <a:t>	</a:t>
+              </a:r>
+              <a:r>
+                <a:rPr lang="en-US" altLang="ko-KR" sz="2000" dirty="0" smtClean="0"/>
+                <a:t>- Real Time air quality Graph</a:t>
+              </a:r>
+            </a:p>
+            <a:p>
+              <a:pPr>
+                <a:lnSpc>
+                  <a:spcPct val="150000"/>
+                </a:lnSpc>
+              </a:pPr>
+              <a:r>
+                <a:rPr lang="en-US" altLang="ko-KR" sz="2000" dirty="0"/>
+                <a:t>	</a:t>
+              </a:r>
+              <a:r>
+                <a:rPr lang="en-US" altLang="ko-KR" sz="2000" dirty="0" smtClean="0"/>
+                <a:t>- Calculate Air AQI</a:t>
+              </a:r>
+            </a:p>
+            <a:p>
+              <a:pPr>
+                <a:lnSpc>
+                  <a:spcPct val="150000"/>
+                </a:lnSpc>
+              </a:pPr>
+              <a:r>
+                <a:rPr lang="en-US" altLang="ko-KR" sz="2000" dirty="0"/>
+                <a:t>	</a:t>
+              </a:r>
+              <a:r>
+                <a:rPr lang="en-US" altLang="ko-KR" sz="2000" dirty="0" smtClean="0"/>
+                <a:t>- Air AQI view</a:t>
+              </a:r>
+            </a:p>
+            <a:p>
+              <a:pPr>
+                <a:lnSpc>
+                  <a:spcPct val="150000"/>
+                </a:lnSpc>
+              </a:pPr>
+              <a:r>
+                <a:rPr lang="en-US" altLang="ko-KR" sz="2000" dirty="0"/>
+                <a:t>	</a:t>
+              </a:r>
+              <a:r>
+                <a:rPr lang="en-US" altLang="ko-KR" sz="2000" dirty="0" smtClean="0"/>
+                <a:t>- Get JSON, CSV data</a:t>
+              </a:r>
+            </a:p>
+            <a:p>
+              <a:pPr>
+                <a:lnSpc>
+                  <a:spcPct val="150000"/>
+                </a:lnSpc>
+              </a:pPr>
+              <a:r>
+                <a:rPr lang="en-US" altLang="ko-KR" sz="2000" dirty="0"/>
+                <a:t>	</a:t>
+              </a:r>
+              <a:r>
+                <a:rPr lang="en-US" altLang="ko-KR" sz="2000" dirty="0" smtClean="0"/>
+                <a:t>- Send JSON data</a:t>
+              </a:r>
+              <a:endParaRPr lang="en-US" altLang="ko-KR" sz="2000" dirty="0" smtClean="0"/>
+            </a:p>
+          </p:txBody>
+        </p:sp>
+        <p:sp>
+          <p:nvSpPr>
+            <p:cNvPr id="6" name="TextBox 5"/>
+            <p:cNvSpPr txBox="1"/>
+            <p:nvPr/>
+          </p:nvSpPr>
+          <p:spPr>
+            <a:xfrm>
+              <a:off x="4801729" y="1258551"/>
+              <a:ext cx="3632341" cy="2862322"/>
+            </a:xfrm>
+            <a:prstGeom prst="rect">
+              <a:avLst/>
+            </a:prstGeom>
+            <a:noFill/>
+          </p:spPr>
+          <p:txBody>
+            <a:bodyPr wrap="none" rtlCol="0">
+              <a:spAutoFit/>
+            </a:bodyPr>
+            <a:lstStyle/>
+            <a:p>
+              <a:pPr marL="285750" indent="-285750">
+                <a:lnSpc>
+                  <a:spcPct val="150000"/>
+                </a:lnSpc>
+                <a:buFont typeface="Arial" panose="020B0604020202020204" pitchFamily="34" charset="0"/>
+                <a:buChar char="•"/>
+              </a:pPr>
+              <a:r>
+                <a:rPr lang="en-US" altLang="ko-KR" dirty="0">
+                  <a:latin typeface="나눔고딕 ExtraBold" panose="020D0904000000000000" pitchFamily="50" charset="-127"/>
+                  <a:ea typeface="나눔고딕 ExtraBold" panose="020D0904000000000000" pitchFamily="50" charset="-127"/>
+                </a:rPr>
+                <a:t>Web</a:t>
+              </a:r>
+            </a:p>
+            <a:p>
+              <a:pPr>
+                <a:lnSpc>
+                  <a:spcPct val="150000"/>
+                </a:lnSpc>
+              </a:pPr>
+              <a:r>
+                <a:rPr lang="en-US" altLang="ko-KR" dirty="0"/>
+                <a:t>	- Real Time Air-quality Map</a:t>
+              </a:r>
+            </a:p>
+            <a:p>
+              <a:pPr>
+                <a:lnSpc>
+                  <a:spcPct val="150000"/>
+                </a:lnSpc>
+              </a:pPr>
+              <a:r>
+                <a:rPr lang="en-US" altLang="ko-KR" dirty="0"/>
+                <a:t>	- Real Time Air-quality Graph</a:t>
+              </a:r>
+            </a:p>
+            <a:p>
+              <a:pPr>
+                <a:lnSpc>
+                  <a:spcPct val="150000"/>
+                </a:lnSpc>
+              </a:pPr>
+              <a:r>
+                <a:rPr lang="en-US" altLang="ko-KR" dirty="0"/>
+                <a:t>	- Real Time Air-AQI Graph</a:t>
+              </a:r>
+            </a:p>
+            <a:p>
+              <a:pPr>
+                <a:lnSpc>
+                  <a:spcPct val="150000"/>
+                </a:lnSpc>
+              </a:pPr>
+              <a:r>
+                <a:rPr lang="en-US" altLang="ko-KR" dirty="0"/>
+                <a:t>	- Real Time Heart-related Graph</a:t>
+              </a:r>
+            </a:p>
+            <a:p>
+              <a:pPr>
+                <a:lnSpc>
+                  <a:spcPct val="150000"/>
+                </a:lnSpc>
+              </a:pPr>
+              <a:r>
+                <a:rPr lang="en-US" altLang="ko-KR" dirty="0"/>
+                <a:t>	- History data</a:t>
+              </a:r>
+            </a:p>
+            <a:p>
+              <a:endParaRPr lang="ko-KR" altLang="en-US" dirty="0"/>
+            </a:p>
+          </p:txBody>
+        </p:sp>
+      </p:grpSp>
     </p:spTree>
     <p:extLst>
       <p:ext uri="{BB962C8B-B14F-4D97-AF65-F5344CB8AC3E}">
@@ -12762,6 +14741,30 @@
           </a:p>
         </p:txBody>
       </p:sp>
+      <p:pic>
+        <p:nvPicPr>
+          <p:cNvPr id="4" name="그림 3"/>
+          <p:cNvPicPr>
+            <a:picLocks noChangeAspect="1"/>
+          </p:cNvPicPr>
+          <p:nvPr/>
+        </p:nvPicPr>
+        <p:blipFill>
+          <a:blip r:embed="rId2"/>
+          <a:stretch>
+            <a:fillRect/>
+          </a:stretch>
+        </p:blipFill>
+        <p:spPr>
+          <a:xfrm>
+            <a:off x="3476323" y="1137964"/>
+            <a:ext cx="2191355" cy="5566411"/>
+          </a:xfrm>
+          <a:prstGeom prst="rect">
+            <a:avLst/>
+          </a:prstGeom>
+        </p:spPr>
+      </p:pic>
     </p:spTree>
     <p:extLst>
       <p:ext uri="{BB962C8B-B14F-4D97-AF65-F5344CB8AC3E}">
